--- a/4_1_Cas_Simple_particule_boite/particule_boite.pptx
+++ b/4_1_Cas_Simple_particule_boite/particule_boite.pptx
@@ -10,8 +10,10 @@
     <p:sldId id="282" r:id="rId4"/>
     <p:sldId id="285" r:id="rId5"/>
     <p:sldId id="288" r:id="rId6"/>
-    <p:sldId id="289" r:id="rId7"/>
-    <p:sldId id="286" r:id="rId8"/>
+    <p:sldId id="291" r:id="rId7"/>
+    <p:sldId id="289" r:id="rId8"/>
+    <p:sldId id="290" r:id="rId9"/>
+    <p:sldId id="286" r:id="rId10"/>
   </p:sldIdLst>
   <p:sldSz cx="12192000" cy="6858000"/>
   <p:notesSz cx="6858000" cy="9144000"/>
@@ -284,7 +286,7 @@
           <a:p>
             <a:fld id="{FDBD420C-7621-46C4-B0D7-0A7E12FF1E5F}" type="datetimeFigureOut">
               <a:rPr lang="en-CA" smtClean="0"/>
-              <a:t>2020-01-09</a:t>
+              <a:t>2020-01-10</a:t>
             </a:fld>
             <a:endParaRPr lang="en-CA"/>
           </a:p>
@@ -484,7 +486,7 @@
           <a:p>
             <a:fld id="{FDBD420C-7621-46C4-B0D7-0A7E12FF1E5F}" type="datetimeFigureOut">
               <a:rPr lang="en-CA" smtClean="0"/>
-              <a:t>2020-01-09</a:t>
+              <a:t>2020-01-10</a:t>
             </a:fld>
             <a:endParaRPr lang="en-CA"/>
           </a:p>
@@ -694,7 +696,7 @@
           <a:p>
             <a:fld id="{FDBD420C-7621-46C4-B0D7-0A7E12FF1E5F}" type="datetimeFigureOut">
               <a:rPr lang="en-CA" smtClean="0"/>
-              <a:t>2020-01-09</a:t>
+              <a:t>2020-01-10</a:t>
             </a:fld>
             <a:endParaRPr lang="en-CA"/>
           </a:p>
@@ -894,7 +896,7 @@
           <a:p>
             <a:fld id="{FDBD420C-7621-46C4-B0D7-0A7E12FF1E5F}" type="datetimeFigureOut">
               <a:rPr lang="en-CA" smtClean="0"/>
-              <a:t>2020-01-09</a:t>
+              <a:t>2020-01-10</a:t>
             </a:fld>
             <a:endParaRPr lang="en-CA"/>
           </a:p>
@@ -1170,7 +1172,7 @@
           <a:p>
             <a:fld id="{FDBD420C-7621-46C4-B0D7-0A7E12FF1E5F}" type="datetimeFigureOut">
               <a:rPr lang="en-CA" smtClean="0"/>
-              <a:t>2020-01-09</a:t>
+              <a:t>2020-01-10</a:t>
             </a:fld>
             <a:endParaRPr lang="en-CA"/>
           </a:p>
@@ -1438,7 +1440,7 @@
           <a:p>
             <a:fld id="{FDBD420C-7621-46C4-B0D7-0A7E12FF1E5F}" type="datetimeFigureOut">
               <a:rPr lang="en-CA" smtClean="0"/>
-              <a:t>2020-01-09</a:t>
+              <a:t>2020-01-10</a:t>
             </a:fld>
             <a:endParaRPr lang="en-CA"/>
           </a:p>
@@ -1853,7 +1855,7 @@
           <a:p>
             <a:fld id="{FDBD420C-7621-46C4-B0D7-0A7E12FF1E5F}" type="datetimeFigureOut">
               <a:rPr lang="en-CA" smtClean="0"/>
-              <a:t>2020-01-09</a:t>
+              <a:t>2020-01-10</a:t>
             </a:fld>
             <a:endParaRPr lang="en-CA"/>
           </a:p>
@@ -1995,7 +1997,7 @@
           <a:p>
             <a:fld id="{FDBD420C-7621-46C4-B0D7-0A7E12FF1E5F}" type="datetimeFigureOut">
               <a:rPr lang="en-CA" smtClean="0"/>
-              <a:t>2020-01-09</a:t>
+              <a:t>2020-01-10</a:t>
             </a:fld>
             <a:endParaRPr lang="en-CA"/>
           </a:p>
@@ -2108,7 +2110,7 @@
           <a:p>
             <a:fld id="{FDBD420C-7621-46C4-B0D7-0A7E12FF1E5F}" type="datetimeFigureOut">
               <a:rPr lang="en-CA" smtClean="0"/>
-              <a:t>2020-01-09</a:t>
+              <a:t>2020-01-10</a:t>
             </a:fld>
             <a:endParaRPr lang="en-CA"/>
           </a:p>
@@ -2421,7 +2423,7 @@
           <a:p>
             <a:fld id="{FDBD420C-7621-46C4-B0D7-0A7E12FF1E5F}" type="datetimeFigureOut">
               <a:rPr lang="en-CA" smtClean="0"/>
-              <a:t>2020-01-09</a:t>
+              <a:t>2020-01-10</a:t>
             </a:fld>
             <a:endParaRPr lang="en-CA"/>
           </a:p>
@@ -2710,7 +2712,7 @@
           <a:p>
             <a:fld id="{FDBD420C-7621-46C4-B0D7-0A7E12FF1E5F}" type="datetimeFigureOut">
               <a:rPr lang="en-CA" smtClean="0"/>
-              <a:t>2020-01-09</a:t>
+              <a:t>2020-01-10</a:t>
             </a:fld>
             <a:endParaRPr lang="en-CA"/>
           </a:p>
@@ -2953,7 +2955,7 @@
           <a:p>
             <a:fld id="{FDBD420C-7621-46C4-B0D7-0A7E12FF1E5F}" type="datetimeFigureOut">
               <a:rPr lang="en-CA" smtClean="0"/>
-              <a:t>2020-01-09</a:t>
+              <a:t>2020-01-10</a:t>
             </a:fld>
             <a:endParaRPr lang="en-CA"/>
           </a:p>
@@ -5175,8 +5177,8 @@
           </a:p>
         </p:txBody>
       </p:sp>
-      <mc:AlternateContent xmlns:mc="http://schemas.openxmlformats.org/markup-compatibility/2006">
-        <mc:Choice xmlns:a14="http://schemas.microsoft.com/office/drawing/2010/main" Requires="a14">
+      <mc:AlternateContent xmlns:mc="http://schemas.openxmlformats.org/markup-compatibility/2006" xmlns:a14="http://schemas.microsoft.com/office/drawing/2010/main">
+        <mc:Choice Requires="a14">
           <p:sp>
             <p:nvSpPr>
               <p:cNvPr id="5" name="Rectangle 4">
@@ -5368,7 +5370,7 @@
             </p:txBody>
           </p:sp>
         </mc:Choice>
-        <mc:Fallback>
+        <mc:Fallback xmlns="">
           <p:sp>
             <p:nvSpPr>
               <p:cNvPr id="5" name="Rectangle 4">
@@ -5413,8 +5415,8 @@
           </p:sp>
         </mc:Fallback>
       </mc:AlternateContent>
-      <mc:AlternateContent xmlns:mc="http://schemas.openxmlformats.org/markup-compatibility/2006">
-        <mc:Choice xmlns:a14="http://schemas.microsoft.com/office/drawing/2010/main" Requires="a14">
+      <mc:AlternateContent xmlns:mc="http://schemas.openxmlformats.org/markup-compatibility/2006" xmlns:a14="http://schemas.microsoft.com/office/drawing/2010/main">
+        <mc:Choice Requires="a14">
           <p:sp>
             <p:nvSpPr>
               <p:cNvPr id="3" name="Rectangle 2">
@@ -5487,7 +5489,7 @@
             </p:txBody>
           </p:sp>
         </mc:Choice>
-        <mc:Fallback>
+        <mc:Fallback xmlns="">
           <p:sp>
             <p:nvSpPr>
               <p:cNvPr id="3" name="Rectangle 2">
@@ -5938,8 +5940,8 @@
           </a:p>
         </p:txBody>
       </p:sp>
-      <mc:AlternateContent xmlns:mc="http://schemas.openxmlformats.org/markup-compatibility/2006">
-        <mc:Choice xmlns:a14="http://schemas.microsoft.com/office/drawing/2010/main" Requires="a14">
+      <mc:AlternateContent xmlns:mc="http://schemas.openxmlformats.org/markup-compatibility/2006" xmlns:a14="http://schemas.microsoft.com/office/drawing/2010/main">
+        <mc:Choice Requires="a14">
           <p:sp>
             <p:nvSpPr>
               <p:cNvPr id="5" name="Rectangle 4">
@@ -6131,7 +6133,7 @@
             </p:txBody>
           </p:sp>
         </mc:Choice>
-        <mc:Fallback>
+        <mc:Fallback xmlns="">
           <p:sp>
             <p:nvSpPr>
               <p:cNvPr id="5" name="Rectangle 4">
@@ -6223,8 +6225,8 @@
           </a:extLst>
         </p:spPr>
       </p:pic>
-      <mc:AlternateContent xmlns:mc="http://schemas.openxmlformats.org/markup-compatibility/2006">
-        <mc:Choice xmlns:a14="http://schemas.microsoft.com/office/drawing/2010/main" Requires="a14">
+      <mc:AlternateContent xmlns:mc="http://schemas.openxmlformats.org/markup-compatibility/2006" xmlns:a14="http://schemas.microsoft.com/office/drawing/2010/main">
+        <mc:Choice Requires="a14">
           <p:sp>
             <p:nvSpPr>
               <p:cNvPr id="9" name="Rectangle 8">
@@ -6327,7 +6329,7 @@
             </p:txBody>
           </p:sp>
         </mc:Choice>
-        <mc:Fallback>
+        <mc:Fallback xmlns="">
           <p:sp>
             <p:nvSpPr>
               <p:cNvPr id="9" name="Rectangle 8">
@@ -6372,14 +6374,14 @@
           </p:sp>
         </mc:Fallback>
       </mc:AlternateContent>
-      <mc:AlternateContent xmlns:mc="http://schemas.openxmlformats.org/markup-compatibility/2006">
-        <mc:Choice xmlns:a14="http://schemas.microsoft.com/office/drawing/2010/main" Requires="a14">
+      <mc:AlternateContent xmlns:mc="http://schemas.openxmlformats.org/markup-compatibility/2006" xmlns:a14="http://schemas.microsoft.com/office/drawing/2010/main">
+        <mc:Choice Requires="a14">
           <p:sp>
             <p:nvSpPr>
-              <p:cNvPr id="11" name="Rectangle 10">
+              <p:cNvPr id="3" name="Rectangle 2">
                 <a:extLst>
                   <a:ext uri="{FF2B5EF4-FFF2-40B4-BE49-F238E27FC236}">
-                    <a16:creationId xmlns:a16="http://schemas.microsoft.com/office/drawing/2014/main" id="{BC97407E-224D-43B3-A94A-BD43FFED0576}"/>
+                    <a16:creationId xmlns:a16="http://schemas.microsoft.com/office/drawing/2014/main" id="{2DEF5E58-DB54-4E32-962E-F96841CABFEA}"/>
                   </a:ext>
                 </a:extLst>
               </p:cNvPr>
@@ -6388,7 +6390,7 @@
             </p:nvSpPr>
             <p:spPr>
               <a:xfrm>
-                <a:off x="1195081" y="3493504"/>
+                <a:off x="1357142" y="3505046"/>
                 <a:ext cx="538224" cy="534762"/>
               </a:xfrm>
               <a:prstGeom prst="rect">
@@ -6401,6 +6403,7 @@
               </a:bodyPr>
               <a:lstStyle/>
               <a:p>
+                <a:pPr/>
                 <a14:m>
                   <m:oMathPara xmlns:m="http://schemas.openxmlformats.org/officeDocument/2006/math">
                     <m:oMathParaPr>
@@ -6433,13 +6436,13 @@
             </p:txBody>
           </p:sp>
         </mc:Choice>
-        <mc:Fallback>
+        <mc:Fallback xmlns="">
           <p:sp>
             <p:nvSpPr>
-              <p:cNvPr id="11" name="Rectangle 10">
+              <p:cNvPr id="3" name="Rectangle 2">
                 <a:extLst>
                   <a:ext uri="{FF2B5EF4-FFF2-40B4-BE49-F238E27FC236}">
-                    <a16:creationId xmlns:a16="http://schemas.microsoft.com/office/drawing/2014/main" id="{BC97407E-224D-43B3-A94A-BD43FFED0576}"/>
+                    <a16:creationId xmlns:a16="http://schemas.microsoft.com/office/drawing/2014/main" id="{2DEF5E58-DB54-4E32-962E-F96841CABFEA}"/>
                   </a:ext>
                 </a:extLst>
               </p:cNvPr>
@@ -6450,7 +6453,7 @@
             </p:nvSpPr>
             <p:spPr>
               <a:xfrm>
-                <a:off x="1195081" y="3493504"/>
+                <a:off x="1357142" y="3505046"/>
                 <a:ext cx="538224" cy="534762"/>
               </a:xfrm>
               <a:prstGeom prst="rect">
@@ -6655,8 +6658,8 @@
           </a:p>
         </p:txBody>
       </p:sp>
-      <mc:AlternateContent xmlns:mc="http://schemas.openxmlformats.org/markup-compatibility/2006">
-        <mc:Choice xmlns:a14="http://schemas.microsoft.com/office/drawing/2010/main" Requires="a14">
+      <mc:AlternateContent xmlns:mc="http://schemas.openxmlformats.org/markup-compatibility/2006" xmlns:a14="http://schemas.microsoft.com/office/drawing/2010/main">
+        <mc:Choice Requires="a14">
           <p:sp>
             <p:nvSpPr>
               <p:cNvPr id="5" name="Rectangle 4">
@@ -6848,7 +6851,7 @@
             </p:txBody>
           </p:sp>
         </mc:Choice>
-        <mc:Fallback>
+        <mc:Fallback xmlns="">
           <p:sp>
             <p:nvSpPr>
               <p:cNvPr id="5" name="Rectangle 4">
@@ -6940,8 +6943,8 @@
           </a:extLst>
         </p:spPr>
       </p:pic>
-      <mc:AlternateContent xmlns:mc="http://schemas.openxmlformats.org/markup-compatibility/2006">
-        <mc:Choice xmlns:a14="http://schemas.microsoft.com/office/drawing/2010/main" Requires="a14">
+      <mc:AlternateContent xmlns:mc="http://schemas.openxmlformats.org/markup-compatibility/2006" xmlns:a14="http://schemas.microsoft.com/office/drawing/2010/main">
+        <mc:Choice Requires="a14">
           <p:sp>
             <p:nvSpPr>
               <p:cNvPr id="9" name="Rectangle 8">
@@ -6956,8 +6959,8 @@
             </p:nvSpPr>
             <p:spPr>
               <a:xfrm>
-                <a:off x="1716849" y="3505046"/>
-                <a:ext cx="2518766" cy="523220"/>
+                <a:off x="2033372" y="3510973"/>
+                <a:ext cx="2345579" cy="523220"/>
               </a:xfrm>
               <a:prstGeom prst="rect">
                 <a:avLst/>
@@ -6977,31 +6980,16 @@
                     </m:oMathParaPr>
                     <m:oMath xmlns:m="http://schemas.openxmlformats.org/officeDocument/2006/math">
                       <m:r>
-                        <m:rPr>
-                          <m:sty m:val="p"/>
-                        </m:rPr>
-                        <a:rPr lang="en-CA" sz="2800" b="0" i="0" smtClean="0">
-                          <a:latin typeface="Cambria Math" panose="02040503050406030204" pitchFamily="18" charset="0"/>
-                        </a:rPr>
-                        <m:t>Ψ</m:t>
-                      </m:r>
-                      <m:r>
                         <a:rPr lang="en-CA" sz="2800" b="0" i="1" smtClean="0">
                           <a:latin typeface="Cambria Math" panose="02040503050406030204" pitchFamily="18" charset="0"/>
                         </a:rPr>
-                        <m:t>(</m:t>
-                      </m:r>
-                      <m:r>
-                        <a:rPr lang="en-CA" sz="2800" b="0" i="1" smtClean="0">
-                          <a:latin typeface="Cambria Math" panose="02040503050406030204" pitchFamily="18" charset="0"/>
-                        </a:rPr>
-                        <m:t>𝑥</m:t>
-                      </m:r>
-                      <m:r>
-                        <a:rPr lang="en-CA" sz="2800" b="0" i="1" smtClean="0">
-                          <a:latin typeface="Cambria Math" panose="02040503050406030204" pitchFamily="18" charset="0"/>
-                        </a:rPr>
-                        <m:t>)=</m:t>
+                        <m:t>         </m:t>
+                      </m:r>
+                      <m:r>
+                        <a:rPr lang="en-CA" sz="2800" i="1">
+                          <a:latin typeface="Cambria Math" panose="02040503050406030204" pitchFamily="18" charset="0"/>
+                        </a:rPr>
+                        <m:t>=</m:t>
                       </m:r>
                       <m:r>
                         <a:rPr lang="en-CA" sz="2800" b="0" i="1" smtClean="0">
@@ -7044,7 +7032,7 @@
             </p:txBody>
           </p:sp>
         </mc:Choice>
-        <mc:Fallback>
+        <mc:Fallback xmlns="">
           <p:sp>
             <p:nvSpPr>
               <p:cNvPr id="9" name="Rectangle 8">
@@ -7061,8 +7049,8 @@
             </p:nvSpPr>
             <p:spPr>
               <a:xfrm>
-                <a:off x="1716849" y="3505046"/>
-                <a:ext cx="2518766" cy="523220"/>
+                <a:off x="2033372" y="3510973"/>
+                <a:ext cx="2345579" cy="523220"/>
               </a:xfrm>
               <a:prstGeom prst="rect">
                 <a:avLst/>
@@ -7105,7 +7093,1702 @@
             </p:nvSpPr>
             <p:spPr>
               <a:xfrm>
-                <a:off x="247846" y="3505046"/>
+                <a:off x="1464193" y="3499431"/>
+                <a:ext cx="1318566" cy="534762"/>
+              </a:xfrm>
+              <a:prstGeom prst="rect">
+                <a:avLst/>
+              </a:prstGeom>
+            </p:spPr>
+            <p:txBody>
+              <a:bodyPr wrap="square">
+                <a:spAutoFit/>
+              </a:bodyPr>
+              <a:lstStyle/>
+              <a:p>
+                <a:pPr/>
+                <a14:m>
+                  <m:oMathPara xmlns:m="http://schemas.openxmlformats.org/officeDocument/2006/math">
+                    <m:oMathParaPr>
+                      <m:jc m:val="centerGroup"/>
+                    </m:oMathParaPr>
+                    <m:oMath xmlns:m="http://schemas.openxmlformats.org/officeDocument/2006/math">
+                      <m:acc>
+                        <m:accPr>
+                          <m:chr m:val="̂"/>
+                          <m:ctrlPr>
+                            <a:rPr lang="en-CA" sz="2800" i="1">
+                              <a:latin typeface="Cambria Math" panose="02040503050406030204" pitchFamily="18" charset="0"/>
+                            </a:rPr>
+                          </m:ctrlPr>
+                        </m:accPr>
+                        <m:e>
+                          <m:r>
+                            <a:rPr lang="en-CA" sz="2800" i="1">
+                              <a:latin typeface="Cambria Math" panose="02040503050406030204" pitchFamily="18" charset="0"/>
+                            </a:rPr>
+                            <m:t>𝐻</m:t>
+                          </m:r>
+                        </m:e>
+                      </m:acc>
+                      <m:r>
+                        <m:rPr>
+                          <m:sty m:val="p"/>
+                        </m:rPr>
+                        <a:rPr lang="en-CA" sz="2800">
+                          <a:latin typeface="Cambria Math" panose="02040503050406030204" pitchFamily="18" charset="0"/>
+                        </a:rPr>
+                        <m:t>Ψ</m:t>
+                      </m:r>
+                      <m:r>
+                        <a:rPr lang="en-CA" sz="2800" i="1">
+                          <a:latin typeface="Cambria Math" panose="02040503050406030204" pitchFamily="18" charset="0"/>
+                        </a:rPr>
+                        <m:t>(</m:t>
+                      </m:r>
+                      <m:r>
+                        <a:rPr lang="en-CA" sz="2800" i="1">
+                          <a:latin typeface="Cambria Math" panose="02040503050406030204" pitchFamily="18" charset="0"/>
+                        </a:rPr>
+                        <m:t>𝑥</m:t>
+                      </m:r>
+                      <m:r>
+                        <a:rPr lang="en-CA" sz="2800" i="1">
+                          <a:latin typeface="Cambria Math" panose="02040503050406030204" pitchFamily="18" charset="0"/>
+                        </a:rPr>
+                        <m:t>)</m:t>
+                      </m:r>
+                    </m:oMath>
+                  </m:oMathPara>
+                </a14:m>
+                <a:endParaRPr lang="en-CA" sz="2800" dirty="0"/>
+              </a:p>
+            </p:txBody>
+          </p:sp>
+        </mc:Choice>
+        <mc:Fallback>
+          <p:sp>
+            <p:nvSpPr>
+              <p:cNvPr id="4" name="Rectangle 3">
+                <a:extLst>
+                  <a:ext uri="{FF2B5EF4-FFF2-40B4-BE49-F238E27FC236}">
+                    <a16:creationId xmlns:a16="http://schemas.microsoft.com/office/drawing/2014/main" id="{E58A06A9-AD25-449B-9F9C-95AF3238005C}"/>
+                  </a:ext>
+                </a:extLst>
+              </p:cNvPr>
+              <p:cNvSpPr>
+                <a:spLocks noRot="1" noChangeAspect="1" noMove="1" noResize="1" noEditPoints="1" noAdjustHandles="1" noChangeArrowheads="1" noChangeShapeType="1" noTextEdit="1"/>
+              </p:cNvSpPr>
+              <p:nvPr/>
+            </p:nvSpPr>
+            <p:spPr>
+              <a:xfrm>
+                <a:off x="1464193" y="3499431"/>
+                <a:ext cx="1318566" cy="534762"/>
+              </a:xfrm>
+              <a:prstGeom prst="rect">
+                <a:avLst/>
+              </a:prstGeom>
+              <a:blipFill>
+                <a:blip r:embed="rId7"/>
+                <a:stretch>
+                  <a:fillRect/>
+                </a:stretch>
+              </a:blipFill>
+            </p:spPr>
+            <p:txBody>
+              <a:bodyPr/>
+              <a:lstStyle/>
+              <a:p>
+                <a:r>
+                  <a:rPr lang="en-CA">
+                    <a:noFill/>
+                  </a:rPr>
+                  <a:t> </a:t>
+                </a:r>
+              </a:p>
+            </p:txBody>
+          </p:sp>
+        </mc:Fallback>
+      </mc:AlternateContent>
+      <mc:AlternateContent xmlns:mc="http://schemas.openxmlformats.org/markup-compatibility/2006">
+        <mc:Choice xmlns:a14="http://schemas.microsoft.com/office/drawing/2010/main" Requires="a14">
+          <p:sp>
+            <p:nvSpPr>
+              <p:cNvPr id="3" name="Rectangle 2">
+                <a:extLst>
+                  <a:ext uri="{FF2B5EF4-FFF2-40B4-BE49-F238E27FC236}">
+                    <a16:creationId xmlns:a16="http://schemas.microsoft.com/office/drawing/2014/main" id="{CB54C1B0-9D59-40E6-9644-4D1F360C44A3}"/>
+                  </a:ext>
+                </a:extLst>
+              </p:cNvPr>
+              <p:cNvSpPr/>
+              <p:nvPr/>
+            </p:nvSpPr>
+            <p:spPr>
+              <a:xfrm>
+                <a:off x="1881774" y="4116166"/>
+                <a:ext cx="1995281" cy="376770"/>
+              </a:xfrm>
+              <a:prstGeom prst="rect">
+                <a:avLst/>
+              </a:prstGeom>
+            </p:spPr>
+            <p:txBody>
+              <a:bodyPr wrap="square">
+                <a:spAutoFit/>
+              </a:bodyPr>
+              <a:lstStyle/>
+              <a:p>
+                <a14:m>
+                  <m:oMath xmlns:m="http://schemas.openxmlformats.org/officeDocument/2006/math">
+                    <m:acc>
+                      <m:accPr>
+                        <m:chr m:val="̂"/>
+                        <m:ctrlPr>
+                          <a:rPr lang="en-CA" i="1">
+                            <a:latin typeface="Cambria Math" panose="02040503050406030204" pitchFamily="18" charset="0"/>
+                          </a:rPr>
+                        </m:ctrlPr>
+                      </m:accPr>
+                      <m:e>
+                        <m:r>
+                          <a:rPr lang="en-CA" i="1">
+                            <a:latin typeface="Cambria Math" panose="02040503050406030204" pitchFamily="18" charset="0"/>
+                          </a:rPr>
+                          <m:t>𝐻</m:t>
+                        </m:r>
+                      </m:e>
+                    </m:acc>
+                    <m:r>
+                      <m:rPr>
+                        <m:sty m:val="p"/>
+                      </m:rPr>
+                      <a:rPr lang="en-CA">
+                        <a:latin typeface="Cambria Math" panose="02040503050406030204" pitchFamily="18" charset="0"/>
+                      </a:rPr>
+                      <m:t>Ψ</m:t>
+                    </m:r>
+                    <m:r>
+                      <a:rPr lang="en-CA" i="1">
+                        <a:latin typeface="Cambria Math" panose="02040503050406030204" pitchFamily="18" charset="0"/>
+                      </a:rPr>
+                      <m:t>(</m:t>
+                    </m:r>
+                    <m:r>
+                      <a:rPr lang="en-CA" i="1">
+                        <a:latin typeface="Cambria Math" panose="02040503050406030204" pitchFamily="18" charset="0"/>
+                      </a:rPr>
+                      <m:t>𝑥</m:t>
+                    </m:r>
+                    <m:r>
+                      <a:rPr lang="en-CA" i="1">
+                        <a:latin typeface="Cambria Math" panose="02040503050406030204" pitchFamily="18" charset="0"/>
+                      </a:rPr>
+                      <m:t>)</m:t>
+                    </m:r>
+                  </m:oMath>
+                </a14:m>
+                <a:r>
+                  <a:rPr lang="en-CA" dirty="0"/>
+                  <a:t> </a:t>
+                </a:r>
+                <a14:m>
+                  <m:oMath xmlns:m="http://schemas.openxmlformats.org/officeDocument/2006/math">
+                    <m:r>
+                      <a:rPr lang="en-CA" i="1">
+                        <a:latin typeface="Cambria Math" panose="02040503050406030204" pitchFamily="18" charset="0"/>
+                      </a:rPr>
+                      <m:t>=</m:t>
+                    </m:r>
+                    <m:r>
+                      <a:rPr lang="en-CA" i="1">
+                        <a:latin typeface="Cambria Math" panose="02040503050406030204" pitchFamily="18" charset="0"/>
+                      </a:rPr>
+                      <m:t>𝐸</m:t>
+                    </m:r>
+                    <m:r>
+                      <m:rPr>
+                        <m:sty m:val="p"/>
+                      </m:rPr>
+                      <a:rPr lang="en-CA">
+                        <a:latin typeface="Cambria Math" panose="02040503050406030204" pitchFamily="18" charset="0"/>
+                      </a:rPr>
+                      <m:t>Ψ</m:t>
+                    </m:r>
+                    <m:r>
+                      <a:rPr lang="en-CA" i="1">
+                        <a:latin typeface="Cambria Math" panose="02040503050406030204" pitchFamily="18" charset="0"/>
+                      </a:rPr>
+                      <m:t>(</m:t>
+                    </m:r>
+                    <m:r>
+                      <a:rPr lang="en-CA" i="1">
+                        <a:latin typeface="Cambria Math" panose="02040503050406030204" pitchFamily="18" charset="0"/>
+                      </a:rPr>
+                      <m:t>𝑥</m:t>
+                    </m:r>
+                    <m:r>
+                      <a:rPr lang="en-CA" i="1">
+                        <a:latin typeface="Cambria Math" panose="02040503050406030204" pitchFamily="18" charset="0"/>
+                      </a:rPr>
+                      <m:t>)</m:t>
+                    </m:r>
+                  </m:oMath>
+                </a14:m>
+                <a:endParaRPr lang="en-CA" dirty="0"/>
+              </a:p>
+            </p:txBody>
+          </p:sp>
+        </mc:Choice>
+        <mc:Fallback>
+          <p:sp>
+            <p:nvSpPr>
+              <p:cNvPr id="3" name="Rectangle 2">
+                <a:extLst>
+                  <a:ext uri="{FF2B5EF4-FFF2-40B4-BE49-F238E27FC236}">
+                    <a16:creationId xmlns:a16="http://schemas.microsoft.com/office/drawing/2014/main" id="{CB54C1B0-9D59-40E6-9644-4D1F360C44A3}"/>
+                  </a:ext>
+                </a:extLst>
+              </p:cNvPr>
+              <p:cNvSpPr>
+                <a:spLocks noRot="1" noChangeAspect="1" noMove="1" noResize="1" noEditPoints="1" noAdjustHandles="1" noChangeArrowheads="1" noChangeShapeType="1" noTextEdit="1"/>
+              </p:cNvSpPr>
+              <p:nvPr/>
+            </p:nvSpPr>
+            <p:spPr>
+              <a:xfrm>
+                <a:off x="1881774" y="4116166"/>
+                <a:ext cx="1995281" cy="376770"/>
+              </a:xfrm>
+              <a:prstGeom prst="rect">
+                <a:avLst/>
+              </a:prstGeom>
+              <a:blipFill>
+                <a:blip r:embed="rId8"/>
+                <a:stretch>
+                  <a:fillRect t="-1613" b="-14516"/>
+                </a:stretch>
+              </a:blipFill>
+            </p:spPr>
+            <p:txBody>
+              <a:bodyPr/>
+              <a:lstStyle/>
+              <a:p>
+                <a:r>
+                  <a:rPr lang="en-CA">
+                    <a:noFill/>
+                  </a:rPr>
+                  <a:t> </a:t>
+                </a:r>
+              </a:p>
+            </p:txBody>
+          </p:sp>
+        </mc:Fallback>
+      </mc:AlternateContent>
+      <mc:AlternateContent xmlns:mc="http://schemas.openxmlformats.org/markup-compatibility/2006">
+        <mc:Choice xmlns:a14="http://schemas.microsoft.com/office/drawing/2010/main" Requires="a14">
+          <p:sp>
+            <p:nvSpPr>
+              <p:cNvPr id="12" name="Rectangle 11">
+                <a:extLst>
+                  <a:ext uri="{FF2B5EF4-FFF2-40B4-BE49-F238E27FC236}">
+                    <a16:creationId xmlns:a16="http://schemas.microsoft.com/office/drawing/2014/main" id="{78CB3FC2-C935-44BE-83D1-7B5725374C80}"/>
+                  </a:ext>
+                </a:extLst>
+              </p:cNvPr>
+              <p:cNvSpPr/>
+              <p:nvPr/>
+            </p:nvSpPr>
+            <p:spPr>
+              <a:xfrm>
+                <a:off x="1256043" y="4864751"/>
+                <a:ext cx="3435941" cy="1062150"/>
+              </a:xfrm>
+              <a:prstGeom prst="rect">
+                <a:avLst/>
+              </a:prstGeom>
+            </p:spPr>
+            <p:txBody>
+              <a:bodyPr wrap="square">
+                <a:spAutoFit/>
+              </a:bodyPr>
+              <a:lstStyle/>
+              <a:p>
+                <a:pPr/>
+                <a14:m>
+                  <m:oMathPara xmlns:m="http://schemas.openxmlformats.org/officeDocument/2006/math">
+                    <m:oMathParaPr>
+                      <m:jc m:val="left"/>
+                    </m:oMathParaPr>
+                    <m:oMath xmlns:m="http://schemas.openxmlformats.org/officeDocument/2006/math">
+                      <m:acc>
+                        <m:accPr>
+                          <m:chr m:val="̂"/>
+                          <m:ctrlPr>
+                            <a:rPr lang="en-CA" sz="2800" b="0" i="1" smtClean="0">
+                              <a:latin typeface="Cambria Math" panose="02040503050406030204" pitchFamily="18" charset="0"/>
+                            </a:rPr>
+                          </m:ctrlPr>
+                        </m:accPr>
+                        <m:e>
+                          <m:r>
+                            <a:rPr lang="en-CA" sz="2800" b="0" i="1" smtClean="0">
+                              <a:latin typeface="Cambria Math" panose="02040503050406030204" pitchFamily="18" charset="0"/>
+                            </a:rPr>
+                            <m:t>𝐻</m:t>
+                          </m:r>
+                        </m:e>
+                      </m:acc>
+                      <m:r>
+                        <m:rPr>
+                          <m:sty m:val="p"/>
+                        </m:rPr>
+                        <a:rPr lang="en-CA" sz="2800" b="0" i="0" smtClean="0">
+                          <a:latin typeface="Cambria Math" panose="02040503050406030204" pitchFamily="18" charset="0"/>
+                        </a:rPr>
+                        <m:t>Ψ</m:t>
+                      </m:r>
+                      <m:r>
+                        <a:rPr lang="en-CA" sz="2800" b="0" i="1" smtClean="0">
+                          <a:latin typeface="Cambria Math" panose="02040503050406030204" pitchFamily="18" charset="0"/>
+                        </a:rPr>
+                        <m:t>(</m:t>
+                      </m:r>
+                      <m:r>
+                        <a:rPr lang="en-CA" sz="2800" b="0" i="1" smtClean="0">
+                          <a:latin typeface="Cambria Math" panose="02040503050406030204" pitchFamily="18" charset="0"/>
+                        </a:rPr>
+                        <m:t>𝑥</m:t>
+                      </m:r>
+                      <m:r>
+                        <a:rPr lang="en-CA" sz="2800" b="0" i="1" smtClean="0">
+                          <a:latin typeface="Cambria Math" panose="02040503050406030204" pitchFamily="18" charset="0"/>
+                        </a:rPr>
+                        <m:t>)=</m:t>
+                      </m:r>
+                      <m:r>
+                        <a:rPr lang="en-CA" sz="2800" i="1">
+                          <a:latin typeface="Cambria Math" panose="02040503050406030204" pitchFamily="18" charset="0"/>
+                        </a:rPr>
+                        <m:t>𝐸</m:t>
+                      </m:r>
+                      <m:r>
+                        <m:rPr>
+                          <m:sty m:val="p"/>
+                        </m:rPr>
+                        <a:rPr lang="en-CA" sz="2800">
+                          <a:latin typeface="Cambria Math" panose="02040503050406030204" pitchFamily="18" charset="0"/>
+                        </a:rPr>
+                        <m:t>Ψ</m:t>
+                      </m:r>
+                      <m:r>
+                        <a:rPr lang="en-CA" sz="2800" i="1">
+                          <a:latin typeface="Cambria Math" panose="02040503050406030204" pitchFamily="18" charset="0"/>
+                        </a:rPr>
+                        <m:t>(</m:t>
+                      </m:r>
+                      <m:r>
+                        <a:rPr lang="en-CA" sz="2800" i="1">
+                          <a:latin typeface="Cambria Math" panose="02040503050406030204" pitchFamily="18" charset="0"/>
+                        </a:rPr>
+                        <m:t>𝑥</m:t>
+                      </m:r>
+                      <m:r>
+                        <a:rPr lang="en-CA" sz="2800" i="1">
+                          <a:latin typeface="Cambria Math" panose="02040503050406030204" pitchFamily="18" charset="0"/>
+                        </a:rPr>
+                        <m:t>)</m:t>
+                      </m:r>
+                      <m:f>
+                        <m:fPr>
+                          <m:ctrlPr>
+                            <a:rPr lang="en-CA" sz="2800" b="0" i="1" smtClean="0">
+                              <a:solidFill>
+                                <a:schemeClr val="bg1"/>
+                              </a:solidFill>
+                              <a:latin typeface="Cambria Math" panose="02040503050406030204" pitchFamily="18" charset="0"/>
+                            </a:rPr>
+                          </m:ctrlPr>
+                        </m:fPr>
+                        <m:num>
+                          <m:sSup>
+                            <m:sSupPr>
+                              <m:ctrlPr>
+                                <a:rPr lang="en-CA" sz="2800" i="1">
+                                  <a:solidFill>
+                                    <a:schemeClr val="bg1"/>
+                                  </a:solidFill>
+                                  <a:latin typeface="Cambria Math" panose="02040503050406030204" pitchFamily="18" charset="0"/>
+                                </a:rPr>
+                              </m:ctrlPr>
+                            </m:sSupPr>
+                            <m:e/>
+                            <m:sup/>
+                          </m:sSup>
+                        </m:num>
+                        <m:den/>
+                      </m:f>
+                    </m:oMath>
+                  </m:oMathPara>
+                </a14:m>
+                <a:endParaRPr lang="en-CA" sz="2800" dirty="0"/>
+              </a:p>
+            </p:txBody>
+          </p:sp>
+        </mc:Choice>
+        <mc:Fallback>
+          <p:sp>
+            <p:nvSpPr>
+              <p:cNvPr id="12" name="Rectangle 11">
+                <a:extLst>
+                  <a:ext uri="{FF2B5EF4-FFF2-40B4-BE49-F238E27FC236}">
+                    <a16:creationId xmlns:a16="http://schemas.microsoft.com/office/drawing/2014/main" id="{78CB3FC2-C935-44BE-83D1-7B5725374C80}"/>
+                  </a:ext>
+                </a:extLst>
+              </p:cNvPr>
+              <p:cNvSpPr>
+                <a:spLocks noRot="1" noChangeAspect="1" noMove="1" noResize="1" noEditPoints="1" noAdjustHandles="1" noChangeArrowheads="1" noChangeShapeType="1" noTextEdit="1"/>
+              </p:cNvSpPr>
+              <p:nvPr/>
+            </p:nvSpPr>
+            <p:spPr>
+              <a:xfrm>
+                <a:off x="1256043" y="4864751"/>
+                <a:ext cx="3435941" cy="1062150"/>
+              </a:xfrm>
+              <a:prstGeom prst="rect">
+                <a:avLst/>
+              </a:prstGeom>
+              <a:blipFill>
+                <a:blip r:embed="rId9"/>
+                <a:stretch>
+                  <a:fillRect/>
+                </a:stretch>
+              </a:blipFill>
+            </p:spPr>
+            <p:txBody>
+              <a:bodyPr/>
+              <a:lstStyle/>
+              <a:p>
+                <a:r>
+                  <a:rPr lang="en-CA">
+                    <a:noFill/>
+                  </a:rPr>
+                  <a:t> </a:t>
+                </a:r>
+              </a:p>
+            </p:txBody>
+          </p:sp>
+        </mc:Fallback>
+      </mc:AlternateContent>
+    </p:spTree>
+    <p:extLst>
+      <p:ext uri="{BB962C8B-B14F-4D97-AF65-F5344CB8AC3E}">
+        <p14:creationId xmlns:p14="http://schemas.microsoft.com/office/powerpoint/2010/main" val="1779955649"/>
+      </p:ext>
+    </p:extLst>
+  </p:cSld>
+  <p:clrMapOvr>
+    <a:masterClrMapping/>
+  </p:clrMapOvr>
+</p:sld>
+</file>
+
+<file path=ppt/slides/slide7.xml><?xml version="1.0" encoding="utf-8"?>
+<p:sld xmlns:a="http://schemas.openxmlformats.org/drawingml/2006/main" xmlns:r="http://schemas.openxmlformats.org/officeDocument/2006/relationships" xmlns:p="http://schemas.openxmlformats.org/presentationml/2006/main">
+  <p:cSld>
+    <p:spTree>
+      <p:nvGrpSpPr>
+        <p:cNvPr id="1" name=""/>
+        <p:cNvGrpSpPr/>
+        <p:nvPr/>
+      </p:nvGrpSpPr>
+      <p:grpSpPr>
+        <a:xfrm>
+          <a:off x="0" y="0"/>
+          <a:ext cx="0" cy="0"/>
+          <a:chOff x="0" y="0"/>
+          <a:chExt cx="0" cy="0"/>
+        </a:xfrm>
+      </p:grpSpPr>
+      <p:sp>
+        <p:nvSpPr>
+          <p:cNvPr id="10" name="Rectangle 9">
+            <a:extLst>
+              <a:ext uri="{FF2B5EF4-FFF2-40B4-BE49-F238E27FC236}">
+                <a16:creationId xmlns:a16="http://schemas.microsoft.com/office/drawing/2014/main" id="{EBF87945-A001-489F-9D9B-7D9435F0B9CA}"/>
+              </a:ext>
+              <a:ext uri="{C183D7F6-B498-43B3-948B-1728B52AA6E4}">
+                <adec:decorative xmlns:adec="http://schemas.microsoft.com/office/drawing/2017/decorative" val="1"/>
+              </a:ext>
+            </a:extLst>
+          </p:cNvPr>
+          <p:cNvSpPr>
+            <a:spLocks noGrp="1" noRot="1" noChangeAspect="1" noMove="1" noResize="1" noEditPoints="1" noAdjustHandles="1" noChangeArrowheads="1" noChangeShapeType="1" noTextEdit="1"/>
+          </p:cNvSpPr>
+          <p:nvPr>
+            <p:custDataLst>
+              <p:tags r:id="rId1"/>
+            </p:custDataLst>
+            <p:extLst>
+              <p:ext uri="{386F3935-93C4-4BCD-93E2-E3B085C9AB24}">
+                <p16:designElem xmlns:p16="http://schemas.microsoft.com/office/powerpoint/2015/main" val="1"/>
+              </p:ext>
+            </p:extLst>
+          </p:nvPr>
+        </p:nvSpPr>
+        <p:spPr>
+          <a:xfrm>
+            <a:off x="0" y="1"/>
+            <a:ext cx="12192000" cy="1911096"/>
+          </a:xfrm>
+          <a:prstGeom prst="rect">
+            <a:avLst/>
+          </a:prstGeom>
+          <a:solidFill>
+            <a:schemeClr val="accent5"/>
+          </a:solidFill>
+          <a:ln>
+            <a:noFill/>
+          </a:ln>
+        </p:spPr>
+        <p:style>
+          <a:lnRef idx="2">
+            <a:schemeClr val="accent1">
+              <a:shade val="50000"/>
+            </a:schemeClr>
+          </a:lnRef>
+          <a:fillRef idx="1">
+            <a:schemeClr val="accent1"/>
+          </a:fillRef>
+          <a:effectRef idx="0">
+            <a:schemeClr val="accent1"/>
+          </a:effectRef>
+          <a:fontRef idx="minor">
+            <a:schemeClr val="lt1"/>
+          </a:fontRef>
+        </p:style>
+        <p:txBody>
+          <a:bodyPr rtlCol="0" anchor="ctr"/>
+          <a:lstStyle/>
+          <a:p>
+            <a:pPr algn="ctr"/>
+            <a:endParaRPr lang="en-US"/>
+          </a:p>
+        </p:txBody>
+      </p:sp>
+      <p:sp>
+        <p:nvSpPr>
+          <p:cNvPr id="2" name="Title 1"/>
+          <p:cNvSpPr>
+            <a:spLocks noGrp="1"/>
+          </p:cNvSpPr>
+          <p:nvPr>
+            <p:ph type="title"/>
+            <p:custDataLst>
+              <p:tags r:id="rId2"/>
+            </p:custDataLst>
+          </p:nvPr>
+        </p:nvSpPr>
+        <p:spPr>
+          <a:xfrm>
+            <a:off x="838200" y="365760"/>
+            <a:ext cx="10515600" cy="1325563"/>
+          </a:xfrm>
+        </p:spPr>
+        <p:txBody>
+          <a:bodyPr>
+            <a:normAutofit/>
+          </a:bodyPr>
+          <a:lstStyle/>
+          <a:p>
+            <a:r>
+              <a:rPr lang="en-US" dirty="0" err="1">
+                <a:solidFill>
+                  <a:schemeClr val="bg1"/>
+                </a:solidFill>
+              </a:rPr>
+              <a:t>Équation</a:t>
+            </a:r>
+            <a:r>
+              <a:rPr lang="en-US" dirty="0">
+                <a:solidFill>
+                  <a:schemeClr val="bg1"/>
+                </a:solidFill>
+              </a:rPr>
+              <a:t> de </a:t>
+            </a:r>
+            <a:r>
+              <a:rPr lang="en-US" dirty="0" err="1">
+                <a:solidFill>
+                  <a:schemeClr val="bg1"/>
+                </a:solidFill>
+              </a:rPr>
+              <a:t>Shrödinger</a:t>
+            </a:r>
+            <a:r>
+              <a:rPr lang="en-US" dirty="0">
+                <a:solidFill>
+                  <a:schemeClr val="bg1"/>
+                </a:solidFill>
+              </a:rPr>
+              <a:t> </a:t>
+            </a:r>
+            <a:r>
+              <a:rPr lang="en-US" dirty="0" err="1">
+                <a:solidFill>
+                  <a:schemeClr val="bg1"/>
+                </a:solidFill>
+              </a:rPr>
+              <a:t>indépendante</a:t>
+            </a:r>
+            <a:r>
+              <a:rPr lang="en-US" dirty="0">
+                <a:solidFill>
+                  <a:schemeClr val="bg1"/>
+                </a:solidFill>
+              </a:rPr>
+              <a:t> du temps</a:t>
+            </a:r>
+            <a:endParaRPr lang="en-CA" dirty="0">
+              <a:solidFill>
+                <a:schemeClr val="bg1"/>
+              </a:solidFill>
+            </a:endParaRPr>
+          </a:p>
+        </p:txBody>
+      </p:sp>
+      <mc:AlternateContent xmlns:mc="http://schemas.openxmlformats.org/markup-compatibility/2006" xmlns:a14="http://schemas.microsoft.com/office/drawing/2010/main">
+        <mc:Choice Requires="a14">
+          <p:sp>
+            <p:nvSpPr>
+              <p:cNvPr id="5" name="Rectangle 4">
+                <a:extLst>
+                  <a:ext uri="{FF2B5EF4-FFF2-40B4-BE49-F238E27FC236}">
+                    <a16:creationId xmlns:a16="http://schemas.microsoft.com/office/drawing/2014/main" id="{4C252668-C24B-4CD0-8861-A79843F6365D}"/>
+                  </a:ext>
+                </a:extLst>
+              </p:cNvPr>
+              <p:cNvSpPr/>
+              <p:nvPr/>
+            </p:nvSpPr>
+            <p:spPr>
+              <a:xfrm>
+                <a:off x="1464193" y="2472071"/>
+                <a:ext cx="2496517" cy="956929"/>
+              </a:xfrm>
+              <a:prstGeom prst="rect">
+                <a:avLst/>
+              </a:prstGeom>
+            </p:spPr>
+            <p:txBody>
+              <a:bodyPr wrap="none">
+                <a:spAutoFit/>
+              </a:bodyPr>
+              <a:lstStyle/>
+              <a:p>
+                <a:pPr/>
+                <a14:m>
+                  <m:oMathPara xmlns:m="http://schemas.openxmlformats.org/officeDocument/2006/math">
+                    <m:oMathParaPr>
+                      <m:jc m:val="left"/>
+                    </m:oMathParaPr>
+                    <m:oMath xmlns:m="http://schemas.openxmlformats.org/officeDocument/2006/math">
+                      <m:acc>
+                        <m:accPr>
+                          <m:chr m:val="̂"/>
+                          <m:ctrlPr>
+                            <a:rPr lang="en-CA" sz="2800" b="0" i="1" smtClean="0">
+                              <a:latin typeface="Cambria Math" panose="02040503050406030204" pitchFamily="18" charset="0"/>
+                            </a:rPr>
+                          </m:ctrlPr>
+                        </m:accPr>
+                        <m:e>
+                          <m:r>
+                            <a:rPr lang="en-CA" sz="2800" b="0" i="1" smtClean="0">
+                              <a:latin typeface="Cambria Math" panose="02040503050406030204" pitchFamily="18" charset="0"/>
+                            </a:rPr>
+                            <m:t>𝐻</m:t>
+                          </m:r>
+                        </m:e>
+                      </m:acc>
+                      <m:r>
+                        <a:rPr lang="en-CA" sz="2800" i="1">
+                          <a:latin typeface="Cambria Math" panose="02040503050406030204" pitchFamily="18" charset="0"/>
+                        </a:rPr>
+                        <m:t>=</m:t>
+                      </m:r>
+                      <m:r>
+                        <a:rPr lang="en-CA" sz="2800" b="0" i="1" smtClean="0">
+                          <a:latin typeface="Cambria Math" panose="02040503050406030204" pitchFamily="18" charset="0"/>
+                        </a:rPr>
+                        <m:t>−</m:t>
+                      </m:r>
+                      <m:f>
+                        <m:fPr>
+                          <m:ctrlPr>
+                            <a:rPr lang="en-CA" sz="2800" b="0" i="1" smtClean="0">
+                              <a:latin typeface="Cambria Math" panose="02040503050406030204" pitchFamily="18" charset="0"/>
+                            </a:rPr>
+                          </m:ctrlPr>
+                        </m:fPr>
+                        <m:num>
+                          <m:sSup>
+                            <m:sSupPr>
+                              <m:ctrlPr>
+                                <a:rPr lang="en-CA" sz="2800" i="1">
+                                  <a:latin typeface="Cambria Math" panose="02040503050406030204" pitchFamily="18" charset="0"/>
+                                </a:rPr>
+                              </m:ctrlPr>
+                            </m:sSupPr>
+                            <m:e>
+                              <m:r>
+                                <a:rPr lang="en-CA" sz="2800" i="1">
+                                  <a:latin typeface="Cambria Math" panose="02040503050406030204" pitchFamily="18" charset="0"/>
+                                </a:rPr>
+                                <m:t>ℏ</m:t>
+                              </m:r>
+                            </m:e>
+                            <m:sup>
+                              <m:r>
+                                <a:rPr lang="en-CA" sz="2800" i="1">
+                                  <a:latin typeface="Cambria Math" panose="02040503050406030204" pitchFamily="18" charset="0"/>
+                                </a:rPr>
+                                <m:t>2</m:t>
+                              </m:r>
+                            </m:sup>
+                          </m:sSup>
+                        </m:num>
+                        <m:den>
+                          <m:r>
+                            <a:rPr lang="en-CA" sz="2800" b="0" i="1" smtClean="0">
+                              <a:latin typeface="Cambria Math" panose="02040503050406030204" pitchFamily="18" charset="0"/>
+                            </a:rPr>
+                            <m:t>2</m:t>
+                          </m:r>
+                          <m:r>
+                            <a:rPr lang="en-CA" sz="2800" b="0" i="1" smtClean="0">
+                              <a:latin typeface="Cambria Math" panose="02040503050406030204" pitchFamily="18" charset="0"/>
+                            </a:rPr>
+                            <m:t>𝑚</m:t>
+                          </m:r>
+                        </m:den>
+                      </m:f>
+                      <m:f>
+                        <m:fPr>
+                          <m:ctrlPr>
+                            <a:rPr lang="en-CA" sz="2800" b="0" i="1" smtClean="0">
+                              <a:latin typeface="Cambria Math" panose="02040503050406030204" pitchFamily="18" charset="0"/>
+                            </a:rPr>
+                          </m:ctrlPr>
+                        </m:fPr>
+                        <m:num>
+                          <m:sSup>
+                            <m:sSupPr>
+                              <m:ctrlPr>
+                                <a:rPr lang="en-CA" sz="2800" b="0" i="1" smtClean="0">
+                                  <a:latin typeface="Cambria Math" panose="02040503050406030204" pitchFamily="18" charset="0"/>
+                                </a:rPr>
+                              </m:ctrlPr>
+                            </m:sSupPr>
+                            <m:e>
+                              <m:r>
+                                <a:rPr lang="en-CA" sz="2800" i="1">
+                                  <a:latin typeface="Cambria Math" panose="02040503050406030204" pitchFamily="18" charset="0"/>
+                                </a:rPr>
+                                <m:t>𝜕</m:t>
+                              </m:r>
+                            </m:e>
+                            <m:sup>
+                              <m:r>
+                                <a:rPr lang="en-CA" sz="2800" b="0" i="1" smtClean="0">
+                                  <a:latin typeface="Cambria Math" panose="02040503050406030204" pitchFamily="18" charset="0"/>
+                                </a:rPr>
+                                <m:t>2</m:t>
+                              </m:r>
+                            </m:sup>
+                          </m:sSup>
+                        </m:num>
+                        <m:den>
+                          <m:r>
+                            <a:rPr lang="en-CA" sz="2800" b="0" i="1" smtClean="0">
+                              <a:latin typeface="Cambria Math" panose="02040503050406030204" pitchFamily="18" charset="0"/>
+                            </a:rPr>
+                            <m:t>𝑑</m:t>
+                          </m:r>
+                          <m:sSup>
+                            <m:sSupPr>
+                              <m:ctrlPr>
+                                <a:rPr lang="en-CA" sz="2800" b="0" i="1" smtClean="0">
+                                  <a:latin typeface="Cambria Math" panose="02040503050406030204" pitchFamily="18" charset="0"/>
+                                </a:rPr>
+                              </m:ctrlPr>
+                            </m:sSupPr>
+                            <m:e>
+                              <m:r>
+                                <a:rPr lang="en-CA" sz="2800" b="0" i="1" smtClean="0">
+                                  <a:latin typeface="Cambria Math" panose="02040503050406030204" pitchFamily="18" charset="0"/>
+                                </a:rPr>
+                                <m:t>𝑥</m:t>
+                              </m:r>
+                            </m:e>
+                            <m:sup>
+                              <m:r>
+                                <a:rPr lang="en-CA" sz="2800" b="0" i="1" smtClean="0">
+                                  <a:latin typeface="Cambria Math" panose="02040503050406030204" pitchFamily="18" charset="0"/>
+                                </a:rPr>
+                                <m:t>2</m:t>
+                              </m:r>
+                            </m:sup>
+                          </m:sSup>
+                        </m:den>
+                      </m:f>
+                    </m:oMath>
+                  </m:oMathPara>
+                </a14:m>
+                <a:endParaRPr lang="en-CA" sz="2800" dirty="0"/>
+              </a:p>
+            </p:txBody>
+          </p:sp>
+        </mc:Choice>
+        <mc:Fallback xmlns="">
+          <p:sp>
+            <p:nvSpPr>
+              <p:cNvPr id="5" name="Rectangle 4">
+                <a:extLst>
+                  <a:ext uri="{FF2B5EF4-FFF2-40B4-BE49-F238E27FC236}">
+                    <a16:creationId xmlns:a16="http://schemas.microsoft.com/office/drawing/2014/main" id="{4C252668-C24B-4CD0-8861-A79843F6365D}"/>
+                  </a:ext>
+                </a:extLst>
+              </p:cNvPr>
+              <p:cNvSpPr>
+                <a:spLocks noRot="1" noChangeAspect="1" noMove="1" noResize="1" noEditPoints="1" noAdjustHandles="1" noChangeArrowheads="1" noChangeShapeType="1" noTextEdit="1"/>
+              </p:cNvSpPr>
+              <p:nvPr/>
+            </p:nvSpPr>
+            <p:spPr>
+              <a:xfrm>
+                <a:off x="1464193" y="2472071"/>
+                <a:ext cx="2496517" cy="956929"/>
+              </a:xfrm>
+              <a:prstGeom prst="rect">
+                <a:avLst/>
+              </a:prstGeom>
+              <a:blipFill>
+                <a:blip r:embed="rId4"/>
+                <a:stretch>
+                  <a:fillRect/>
+                </a:stretch>
+              </a:blipFill>
+            </p:spPr>
+            <p:txBody>
+              <a:bodyPr/>
+              <a:lstStyle/>
+              <a:p>
+                <a:r>
+                  <a:rPr lang="en-CA">
+                    <a:noFill/>
+                  </a:rPr>
+                  <a:t> </a:t>
+                </a:r>
+              </a:p>
+            </p:txBody>
+          </p:sp>
+        </mc:Fallback>
+      </mc:AlternateContent>
+      <p:pic>
+        <p:nvPicPr>
+          <p:cNvPr id="8" name="Picture 2">
+            <a:extLst>
+              <a:ext uri="{FF2B5EF4-FFF2-40B4-BE49-F238E27FC236}">
+                <a16:creationId xmlns:a16="http://schemas.microsoft.com/office/drawing/2014/main" id="{379AEA0A-967C-4788-9798-9A436DEE3210}"/>
+              </a:ext>
+            </a:extLst>
+          </p:cNvPr>
+          <p:cNvPicPr>
+            <a:picLocks noChangeAspect="1" noChangeArrowheads="1"/>
+          </p:cNvPicPr>
+          <p:nvPr/>
+        </p:nvPicPr>
+        <p:blipFill>
+          <a:blip r:embed="rId5">
+            <a:extLst>
+              <a:ext uri="{28A0092B-C50C-407E-A947-70E740481C1C}">
+                <a14:useLocalDpi xmlns:a14="http://schemas.microsoft.com/office/drawing/2010/main" val="0"/>
+              </a:ext>
+            </a:extLst>
+          </a:blip>
+          <a:srcRect/>
+          <a:stretch>
+            <a:fillRect/>
+          </a:stretch>
+        </p:blipFill>
+        <p:spPr bwMode="auto">
+          <a:xfrm>
+            <a:off x="6765122" y="2276856"/>
+            <a:ext cx="4170835" cy="3336668"/>
+          </a:xfrm>
+          <a:prstGeom prst="rect">
+            <a:avLst/>
+          </a:prstGeom>
+          <a:noFill/>
+          <a:extLst>
+            <a:ext uri="{909E8E84-426E-40DD-AFC4-6F175D3DCCD1}">
+              <a14:hiddenFill xmlns:a14="http://schemas.microsoft.com/office/drawing/2010/main">
+                <a:solidFill>
+                  <a:srgbClr val="FFFFFF"/>
+                </a:solidFill>
+              </a14:hiddenFill>
+            </a:ext>
+          </a:extLst>
+        </p:spPr>
+      </p:pic>
+      <mc:AlternateContent xmlns:mc="http://schemas.openxmlformats.org/markup-compatibility/2006" xmlns:a14="http://schemas.microsoft.com/office/drawing/2010/main">
+        <mc:Choice Requires="a14">
+          <p:sp>
+            <p:nvSpPr>
+              <p:cNvPr id="9" name="Rectangle 8">
+                <a:extLst>
+                  <a:ext uri="{FF2B5EF4-FFF2-40B4-BE49-F238E27FC236}">
+                    <a16:creationId xmlns:a16="http://schemas.microsoft.com/office/drawing/2014/main" id="{6A5CBC5C-E4A0-4C67-95D0-75A0ADB995AE}"/>
+                  </a:ext>
+                </a:extLst>
+              </p:cNvPr>
+              <p:cNvSpPr/>
+              <p:nvPr/>
+            </p:nvSpPr>
+            <p:spPr>
+              <a:xfrm>
+                <a:off x="2033372" y="3510973"/>
+                <a:ext cx="2345579" cy="523220"/>
+              </a:xfrm>
+              <a:prstGeom prst="rect">
+                <a:avLst/>
+              </a:prstGeom>
+            </p:spPr>
+            <p:txBody>
+              <a:bodyPr wrap="none">
+                <a:spAutoFit/>
+              </a:bodyPr>
+              <a:lstStyle/>
+              <a:p>
+                <a:pPr/>
+                <a14:m>
+                  <m:oMathPara xmlns:m="http://schemas.openxmlformats.org/officeDocument/2006/math">
+                    <m:oMathParaPr>
+                      <m:jc m:val="left"/>
+                    </m:oMathParaPr>
+                    <m:oMath xmlns:m="http://schemas.openxmlformats.org/officeDocument/2006/math">
+                      <m:r>
+                        <a:rPr lang="en-CA" sz="2800" b="0" i="1" smtClean="0">
+                          <a:latin typeface="Cambria Math" panose="02040503050406030204" pitchFamily="18" charset="0"/>
+                        </a:rPr>
+                        <m:t>         </m:t>
+                      </m:r>
+                      <m:r>
+                        <a:rPr lang="en-CA" sz="2800" i="1">
+                          <a:latin typeface="Cambria Math" panose="02040503050406030204" pitchFamily="18" charset="0"/>
+                        </a:rPr>
+                        <m:t>=</m:t>
+                      </m:r>
+                      <m:r>
+                        <a:rPr lang="en-CA" sz="2800" b="0" i="1" smtClean="0">
+                          <a:latin typeface="Cambria Math" panose="02040503050406030204" pitchFamily="18" charset="0"/>
+                        </a:rPr>
+                        <m:t>𝐸</m:t>
+                      </m:r>
+                      <m:r>
+                        <m:rPr>
+                          <m:sty m:val="p"/>
+                        </m:rPr>
+                        <a:rPr lang="en-CA" sz="2800" b="0" i="0" smtClean="0">
+                          <a:latin typeface="Cambria Math" panose="02040503050406030204" pitchFamily="18" charset="0"/>
+                        </a:rPr>
+                        <m:t>Ψ</m:t>
+                      </m:r>
+                      <m:r>
+                        <a:rPr lang="en-CA" sz="2800" b="0" i="1" smtClean="0">
+                          <a:latin typeface="Cambria Math" panose="02040503050406030204" pitchFamily="18" charset="0"/>
+                        </a:rPr>
+                        <m:t>(</m:t>
+                      </m:r>
+                      <m:r>
+                        <a:rPr lang="en-CA" sz="2800" b="0" i="1" smtClean="0">
+                          <a:latin typeface="Cambria Math" panose="02040503050406030204" pitchFamily="18" charset="0"/>
+                        </a:rPr>
+                        <m:t>𝑥</m:t>
+                      </m:r>
+                      <m:r>
+                        <a:rPr lang="en-CA" sz="2800" b="0" i="1" smtClean="0">
+                          <a:latin typeface="Cambria Math" panose="02040503050406030204" pitchFamily="18" charset="0"/>
+                        </a:rPr>
+                        <m:t>)</m:t>
+                      </m:r>
+                    </m:oMath>
+                  </m:oMathPara>
+                </a14:m>
+                <a:endParaRPr lang="en-CA" sz="2800" dirty="0"/>
+              </a:p>
+            </p:txBody>
+          </p:sp>
+        </mc:Choice>
+        <mc:Fallback xmlns="">
+          <p:sp>
+            <p:nvSpPr>
+              <p:cNvPr id="9" name="Rectangle 8">
+                <a:extLst>
+                  <a:ext uri="{FF2B5EF4-FFF2-40B4-BE49-F238E27FC236}">
+                    <a16:creationId xmlns:a16="http://schemas.microsoft.com/office/drawing/2014/main" id="{6A5CBC5C-E4A0-4C67-95D0-75A0ADB995AE}"/>
+                  </a:ext>
+                </a:extLst>
+              </p:cNvPr>
+              <p:cNvSpPr>
+                <a:spLocks noRot="1" noChangeAspect="1" noMove="1" noResize="1" noEditPoints="1" noAdjustHandles="1" noChangeArrowheads="1" noChangeShapeType="1" noTextEdit="1"/>
+              </p:cNvSpPr>
+              <p:nvPr/>
+            </p:nvSpPr>
+            <p:spPr>
+              <a:xfrm>
+                <a:off x="2033372" y="3510973"/>
+                <a:ext cx="2345579" cy="523220"/>
+              </a:xfrm>
+              <a:prstGeom prst="rect">
+                <a:avLst/>
+              </a:prstGeom>
+              <a:blipFill>
+                <a:blip r:embed="rId6"/>
+                <a:stretch>
+                  <a:fillRect/>
+                </a:stretch>
+              </a:blipFill>
+            </p:spPr>
+            <p:txBody>
+              <a:bodyPr/>
+              <a:lstStyle/>
+              <a:p>
+                <a:r>
+                  <a:rPr lang="en-CA">
+                    <a:noFill/>
+                  </a:rPr>
+                  <a:t> </a:t>
+                </a:r>
+              </a:p>
+            </p:txBody>
+          </p:sp>
+        </mc:Fallback>
+      </mc:AlternateContent>
+      <mc:AlternateContent xmlns:mc="http://schemas.openxmlformats.org/markup-compatibility/2006" xmlns:a14="http://schemas.microsoft.com/office/drawing/2010/main">
+        <mc:Choice Requires="a14">
+          <p:sp>
+            <p:nvSpPr>
+              <p:cNvPr id="4" name="Rectangle 3">
+                <a:extLst>
+                  <a:ext uri="{FF2B5EF4-FFF2-40B4-BE49-F238E27FC236}">
+                    <a16:creationId xmlns:a16="http://schemas.microsoft.com/office/drawing/2014/main" id="{E58A06A9-AD25-449B-9F9C-95AF3238005C}"/>
+                  </a:ext>
+                </a:extLst>
+              </p:cNvPr>
+              <p:cNvSpPr/>
+              <p:nvPr/>
+            </p:nvSpPr>
+            <p:spPr>
+              <a:xfrm>
+                <a:off x="165376" y="3288191"/>
+                <a:ext cx="2597634" cy="956929"/>
+              </a:xfrm>
+              <a:prstGeom prst="rect">
+                <a:avLst/>
+              </a:prstGeom>
+            </p:spPr>
+            <p:txBody>
+              <a:bodyPr wrap="none">
+                <a:spAutoFit/>
+              </a:bodyPr>
+              <a:lstStyle/>
+              <a:p>
+                <a:pPr/>
+                <a14:m>
+                  <m:oMathPara xmlns:m="http://schemas.openxmlformats.org/officeDocument/2006/math">
+                    <m:oMathParaPr>
+                      <m:jc m:val="centerGroup"/>
+                    </m:oMathParaPr>
+                    <m:oMath xmlns:m="http://schemas.openxmlformats.org/officeDocument/2006/math">
+                      <m:r>
+                        <a:rPr lang="en-CA" sz="2800" i="1">
+                          <a:latin typeface="Cambria Math" panose="02040503050406030204" pitchFamily="18" charset="0"/>
+                        </a:rPr>
+                        <m:t>−</m:t>
+                      </m:r>
+                      <m:f>
+                        <m:fPr>
+                          <m:ctrlPr>
+                            <a:rPr lang="en-CA" sz="2800" i="1">
+                              <a:latin typeface="Cambria Math" panose="02040503050406030204" pitchFamily="18" charset="0"/>
+                            </a:rPr>
+                          </m:ctrlPr>
+                        </m:fPr>
+                        <m:num>
+                          <m:sSup>
+                            <m:sSupPr>
+                              <m:ctrlPr>
+                                <a:rPr lang="en-CA" sz="2800" i="1">
+                                  <a:latin typeface="Cambria Math" panose="02040503050406030204" pitchFamily="18" charset="0"/>
+                                </a:rPr>
+                              </m:ctrlPr>
+                            </m:sSupPr>
+                            <m:e>
+                              <m:r>
+                                <a:rPr lang="en-CA" sz="2800" i="1">
+                                  <a:latin typeface="Cambria Math" panose="02040503050406030204" pitchFamily="18" charset="0"/>
+                                </a:rPr>
+                                <m:t>ℏ</m:t>
+                              </m:r>
+                            </m:e>
+                            <m:sup>
+                              <m:r>
+                                <a:rPr lang="en-CA" sz="2800" i="1">
+                                  <a:latin typeface="Cambria Math" panose="02040503050406030204" pitchFamily="18" charset="0"/>
+                                </a:rPr>
+                                <m:t>2</m:t>
+                              </m:r>
+                            </m:sup>
+                          </m:sSup>
+                        </m:num>
+                        <m:den>
+                          <m:r>
+                            <a:rPr lang="en-CA" sz="2800" i="1">
+                              <a:latin typeface="Cambria Math" panose="02040503050406030204" pitchFamily="18" charset="0"/>
+                            </a:rPr>
+                            <m:t>2</m:t>
+                          </m:r>
+                          <m:r>
+                            <a:rPr lang="en-CA" sz="2800" i="1">
+                              <a:latin typeface="Cambria Math" panose="02040503050406030204" pitchFamily="18" charset="0"/>
+                            </a:rPr>
+                            <m:t>𝑚</m:t>
+                          </m:r>
+                        </m:den>
+                      </m:f>
+                      <m:f>
+                        <m:fPr>
+                          <m:ctrlPr>
+                            <a:rPr lang="en-CA" sz="2800" i="1">
+                              <a:latin typeface="Cambria Math" panose="02040503050406030204" pitchFamily="18" charset="0"/>
+                            </a:rPr>
+                          </m:ctrlPr>
+                        </m:fPr>
+                        <m:num>
+                          <m:sSup>
+                            <m:sSupPr>
+                              <m:ctrlPr>
+                                <a:rPr lang="en-CA" sz="2800" i="1">
+                                  <a:latin typeface="Cambria Math" panose="02040503050406030204" pitchFamily="18" charset="0"/>
+                                </a:rPr>
+                              </m:ctrlPr>
+                            </m:sSupPr>
+                            <m:e>
+                              <m:r>
+                                <a:rPr lang="en-CA" sz="2800" i="1">
+                                  <a:latin typeface="Cambria Math" panose="02040503050406030204" pitchFamily="18" charset="0"/>
+                                </a:rPr>
+                                <m:t>𝜕</m:t>
+                              </m:r>
+                            </m:e>
+                            <m:sup>
+                              <m:r>
+                                <a:rPr lang="en-CA" sz="2800" i="1">
+                                  <a:latin typeface="Cambria Math" panose="02040503050406030204" pitchFamily="18" charset="0"/>
+                                </a:rPr>
+                                <m:t>2</m:t>
+                              </m:r>
+                            </m:sup>
+                          </m:sSup>
+                        </m:num>
+                        <m:den>
+                          <m:r>
+                            <a:rPr lang="en-CA" sz="2800" i="1">
+                              <a:latin typeface="Cambria Math" panose="02040503050406030204" pitchFamily="18" charset="0"/>
+                            </a:rPr>
+                            <m:t>𝑑</m:t>
+                          </m:r>
+                          <m:sSup>
+                            <m:sSupPr>
+                              <m:ctrlPr>
+                                <a:rPr lang="en-CA" sz="2800" i="1">
+                                  <a:latin typeface="Cambria Math" panose="02040503050406030204" pitchFamily="18" charset="0"/>
+                                </a:rPr>
+                              </m:ctrlPr>
+                            </m:sSupPr>
+                            <m:e>
+                              <m:r>
+                                <a:rPr lang="en-CA" sz="2800" i="1">
+                                  <a:latin typeface="Cambria Math" panose="02040503050406030204" pitchFamily="18" charset="0"/>
+                                </a:rPr>
+                                <m:t>𝑥</m:t>
+                              </m:r>
+                            </m:e>
+                            <m:sup>
+                              <m:r>
+                                <a:rPr lang="en-CA" sz="2800" i="1">
+                                  <a:latin typeface="Cambria Math" panose="02040503050406030204" pitchFamily="18" charset="0"/>
+                                </a:rPr>
+                                <m:t>2</m:t>
+                              </m:r>
+                            </m:sup>
+                          </m:sSup>
+                        </m:den>
+                      </m:f>
+                      <m:r>
+                        <m:rPr>
+                          <m:sty m:val="p"/>
+                        </m:rPr>
+                        <a:rPr lang="en-CA" sz="2800">
+                          <a:latin typeface="Cambria Math" panose="02040503050406030204" pitchFamily="18" charset="0"/>
+                        </a:rPr>
+                        <m:t>Ψ</m:t>
+                      </m:r>
+                      <m:r>
+                        <a:rPr lang="en-CA" sz="2800" i="1">
+                          <a:latin typeface="Cambria Math" panose="02040503050406030204" pitchFamily="18" charset="0"/>
+                        </a:rPr>
+                        <m:t>(</m:t>
+                      </m:r>
+                      <m:r>
+                        <a:rPr lang="en-CA" sz="2800" i="1">
+                          <a:latin typeface="Cambria Math" panose="02040503050406030204" pitchFamily="18" charset="0"/>
+                        </a:rPr>
+                        <m:t>𝑥</m:t>
+                      </m:r>
+                      <m:r>
+                        <a:rPr lang="en-CA" sz="2800" i="1">
+                          <a:latin typeface="Cambria Math" panose="02040503050406030204" pitchFamily="18" charset="0"/>
+                        </a:rPr>
+                        <m:t>)</m:t>
+                      </m:r>
+                    </m:oMath>
+                  </m:oMathPara>
+                </a14:m>
+                <a:endParaRPr lang="en-CA" sz="2800" dirty="0"/>
+              </a:p>
+            </p:txBody>
+          </p:sp>
+        </mc:Choice>
+        <mc:Fallback xmlns="">
+          <p:sp>
+            <p:nvSpPr>
+              <p:cNvPr id="4" name="Rectangle 3">
+                <a:extLst>
+                  <a:ext uri="{FF2B5EF4-FFF2-40B4-BE49-F238E27FC236}">
+                    <a16:creationId xmlns:a16="http://schemas.microsoft.com/office/drawing/2014/main" id="{E58A06A9-AD25-449B-9F9C-95AF3238005C}"/>
+                  </a:ext>
+                </a:extLst>
+              </p:cNvPr>
+              <p:cNvSpPr>
+                <a:spLocks noRot="1" noChangeAspect="1" noMove="1" noResize="1" noEditPoints="1" noAdjustHandles="1" noChangeArrowheads="1" noChangeShapeType="1" noTextEdit="1"/>
+              </p:cNvSpPr>
+              <p:nvPr/>
+            </p:nvSpPr>
+            <p:spPr>
+              <a:xfrm>
+                <a:off x="165376" y="3288191"/>
+                <a:ext cx="2597634" cy="956929"/>
+              </a:xfrm>
+              <a:prstGeom prst="rect">
+                <a:avLst/>
+              </a:prstGeom>
+              <a:blipFill>
+                <a:blip r:embed="rId7"/>
+                <a:stretch>
+                  <a:fillRect/>
+                </a:stretch>
+              </a:blipFill>
+            </p:spPr>
+            <p:txBody>
+              <a:bodyPr/>
+              <a:lstStyle/>
+              <a:p>
+                <a:r>
+                  <a:rPr lang="en-CA">
+                    <a:noFill/>
+                  </a:rPr>
+                  <a:t> </a:t>
+                </a:r>
+              </a:p>
+            </p:txBody>
+          </p:sp>
+        </mc:Fallback>
+      </mc:AlternateContent>
+    </p:spTree>
+    <p:extLst>
+      <p:ext uri="{BB962C8B-B14F-4D97-AF65-F5344CB8AC3E}">
+        <p14:creationId xmlns:p14="http://schemas.microsoft.com/office/powerpoint/2010/main" val="3484184806"/>
+      </p:ext>
+    </p:extLst>
+  </p:cSld>
+  <p:clrMapOvr>
+    <a:masterClrMapping/>
+  </p:clrMapOvr>
+  <mc:AlternateContent xmlns:mc="http://schemas.openxmlformats.org/markup-compatibility/2006" xmlns:p159="http://schemas.microsoft.com/office/powerpoint/2015/09/main">
+    <mc:Choice Requires="p159">
+      <p:transition xmlns:p14="http://schemas.microsoft.com/office/powerpoint/2010/main" spd="slow" p14:dur="2000">
+        <p159:morph option="byObject"/>
+      </p:transition>
+    </mc:Choice>
+    <mc:Fallback xmlns="">
+      <p:transition spd="slow">
+        <p:fade/>
+      </p:transition>
+    </mc:Fallback>
+  </mc:AlternateContent>
+</p:sld>
+</file>
+
+<file path=ppt/slides/slide8.xml><?xml version="1.0" encoding="utf-8"?>
+<p:sld xmlns:a="http://schemas.openxmlformats.org/drawingml/2006/main" xmlns:r="http://schemas.openxmlformats.org/officeDocument/2006/relationships" xmlns:p="http://schemas.openxmlformats.org/presentationml/2006/main">
+  <p:cSld>
+    <p:spTree>
+      <p:nvGrpSpPr>
+        <p:cNvPr id="1" name=""/>
+        <p:cNvGrpSpPr/>
+        <p:nvPr/>
+      </p:nvGrpSpPr>
+      <p:grpSpPr>
+        <a:xfrm>
+          <a:off x="0" y="0"/>
+          <a:ext cx="0" cy="0"/>
+          <a:chOff x="0" y="0"/>
+          <a:chExt cx="0" cy="0"/>
+        </a:xfrm>
+      </p:grpSpPr>
+      <p:sp>
+        <p:nvSpPr>
+          <p:cNvPr id="10" name="Rectangle 9">
+            <a:extLst>
+              <a:ext uri="{FF2B5EF4-FFF2-40B4-BE49-F238E27FC236}">
+                <a16:creationId xmlns:a16="http://schemas.microsoft.com/office/drawing/2014/main" id="{EBF87945-A001-489F-9D9B-7D9435F0B9CA}"/>
+              </a:ext>
+              <a:ext uri="{C183D7F6-B498-43B3-948B-1728B52AA6E4}">
+                <adec:decorative xmlns:adec="http://schemas.microsoft.com/office/drawing/2017/decorative" val="1"/>
+              </a:ext>
+            </a:extLst>
+          </p:cNvPr>
+          <p:cNvSpPr>
+            <a:spLocks noGrp="1" noRot="1" noChangeAspect="1" noMove="1" noResize="1" noEditPoints="1" noAdjustHandles="1" noChangeArrowheads="1" noChangeShapeType="1" noTextEdit="1"/>
+          </p:cNvSpPr>
+          <p:nvPr>
+            <p:custDataLst>
+              <p:tags r:id="rId1"/>
+            </p:custDataLst>
+            <p:extLst>
+              <p:ext uri="{386F3935-93C4-4BCD-93E2-E3B085C9AB24}">
+                <p16:designElem xmlns:p16="http://schemas.microsoft.com/office/powerpoint/2015/main" val="1"/>
+              </p:ext>
+            </p:extLst>
+          </p:nvPr>
+        </p:nvSpPr>
+        <p:spPr>
+          <a:xfrm>
+            <a:off x="0" y="1"/>
+            <a:ext cx="12192000" cy="1911096"/>
+          </a:xfrm>
+          <a:prstGeom prst="rect">
+            <a:avLst/>
+          </a:prstGeom>
+          <a:solidFill>
+            <a:schemeClr val="accent5"/>
+          </a:solidFill>
+          <a:ln>
+            <a:noFill/>
+          </a:ln>
+        </p:spPr>
+        <p:style>
+          <a:lnRef idx="2">
+            <a:schemeClr val="accent1">
+              <a:shade val="50000"/>
+            </a:schemeClr>
+          </a:lnRef>
+          <a:fillRef idx="1">
+            <a:schemeClr val="accent1"/>
+          </a:fillRef>
+          <a:effectRef idx="0">
+            <a:schemeClr val="accent1"/>
+          </a:effectRef>
+          <a:fontRef idx="minor">
+            <a:schemeClr val="lt1"/>
+          </a:fontRef>
+        </p:style>
+        <p:txBody>
+          <a:bodyPr rtlCol="0" anchor="ctr"/>
+          <a:lstStyle/>
+          <a:p>
+            <a:pPr algn="ctr"/>
+            <a:endParaRPr lang="en-US"/>
+          </a:p>
+        </p:txBody>
+      </p:sp>
+      <p:sp>
+        <p:nvSpPr>
+          <p:cNvPr id="2" name="Title 1"/>
+          <p:cNvSpPr>
+            <a:spLocks noGrp="1"/>
+          </p:cNvSpPr>
+          <p:nvPr>
+            <p:ph type="title"/>
+            <p:custDataLst>
+              <p:tags r:id="rId2"/>
+            </p:custDataLst>
+          </p:nvPr>
+        </p:nvSpPr>
+        <p:spPr>
+          <a:xfrm>
+            <a:off x="838200" y="365760"/>
+            <a:ext cx="10515600" cy="1325563"/>
+          </a:xfrm>
+        </p:spPr>
+        <p:txBody>
+          <a:bodyPr>
+            <a:normAutofit/>
+          </a:bodyPr>
+          <a:lstStyle/>
+          <a:p>
+            <a:r>
+              <a:rPr lang="en-US" dirty="0">
+                <a:solidFill>
+                  <a:schemeClr val="bg1"/>
+                </a:solidFill>
+              </a:rPr>
+              <a:t>Solutions </a:t>
+            </a:r>
+            <a:r>
+              <a:rPr lang="en-US" dirty="0" err="1">
+                <a:solidFill>
+                  <a:schemeClr val="bg1"/>
+                </a:solidFill>
+              </a:rPr>
+              <a:t>générales</a:t>
+            </a:r>
+            <a:endParaRPr lang="en-CA" dirty="0">
+              <a:solidFill>
+                <a:schemeClr val="bg1"/>
+              </a:solidFill>
+            </a:endParaRPr>
+          </a:p>
+        </p:txBody>
+      </p:sp>
+      <p:pic>
+        <p:nvPicPr>
+          <p:cNvPr id="8" name="Picture 2">
+            <a:extLst>
+              <a:ext uri="{FF2B5EF4-FFF2-40B4-BE49-F238E27FC236}">
+                <a16:creationId xmlns:a16="http://schemas.microsoft.com/office/drawing/2014/main" id="{379AEA0A-967C-4788-9798-9A436DEE3210}"/>
+              </a:ext>
+            </a:extLst>
+          </p:cNvPr>
+          <p:cNvPicPr>
+            <a:picLocks noChangeAspect="1" noChangeArrowheads="1"/>
+          </p:cNvPicPr>
+          <p:nvPr/>
+        </p:nvPicPr>
+        <p:blipFill>
+          <a:blip r:embed="rId4">
+            <a:extLst>
+              <a:ext uri="{28A0092B-C50C-407E-A947-70E740481C1C}">
+                <a14:useLocalDpi xmlns:a14="http://schemas.microsoft.com/office/drawing/2010/main" val="0"/>
+              </a:ext>
+            </a:extLst>
+          </a:blip>
+          <a:srcRect/>
+          <a:stretch>
+            <a:fillRect/>
+          </a:stretch>
+        </p:blipFill>
+        <p:spPr bwMode="auto">
+          <a:xfrm>
+            <a:off x="6765122" y="2276856"/>
+            <a:ext cx="4170835" cy="3336668"/>
+          </a:xfrm>
+          <a:prstGeom prst="rect">
+            <a:avLst/>
+          </a:prstGeom>
+          <a:noFill/>
+          <a:extLst>
+            <a:ext uri="{909E8E84-426E-40DD-AFC4-6F175D3DCCD1}">
+              <a14:hiddenFill xmlns:a14="http://schemas.microsoft.com/office/drawing/2010/main">
+                <a:solidFill>
+                  <a:srgbClr val="FFFFFF"/>
+                </a:solidFill>
+              </a14:hiddenFill>
+            </a:ext>
+          </a:extLst>
+        </p:spPr>
+      </p:pic>
+      <mc:AlternateContent xmlns:mc="http://schemas.openxmlformats.org/markup-compatibility/2006" xmlns:a14="http://schemas.microsoft.com/office/drawing/2010/main">
+        <mc:Choice Requires="a14">
+          <p:sp>
+            <p:nvSpPr>
+              <p:cNvPr id="9" name="Rectangle 8">
+                <a:extLst>
+                  <a:ext uri="{FF2B5EF4-FFF2-40B4-BE49-F238E27FC236}">
+                    <a16:creationId xmlns:a16="http://schemas.microsoft.com/office/drawing/2014/main" id="{6A5CBC5C-E4A0-4C67-95D0-75A0ADB995AE}"/>
+                  </a:ext>
+                </a:extLst>
+              </p:cNvPr>
+              <p:cNvSpPr/>
+              <p:nvPr/>
+            </p:nvSpPr>
+            <p:spPr>
+              <a:xfrm>
+                <a:off x="1740295" y="2224102"/>
+                <a:ext cx="2518766" cy="523220"/>
+              </a:xfrm>
+              <a:prstGeom prst="rect">
+                <a:avLst/>
+              </a:prstGeom>
+            </p:spPr>
+            <p:txBody>
+              <a:bodyPr wrap="none">
+                <a:spAutoFit/>
+              </a:bodyPr>
+              <a:lstStyle/>
+              <a:p>
+                <a:pPr/>
+                <a14:m>
+                  <m:oMathPara xmlns:m="http://schemas.openxmlformats.org/officeDocument/2006/math">
+                    <m:oMathParaPr>
+                      <m:jc m:val="left"/>
+                    </m:oMathParaPr>
+                    <m:oMath xmlns:m="http://schemas.openxmlformats.org/officeDocument/2006/math">
+                      <m:r>
+                        <m:rPr>
+                          <m:sty m:val="p"/>
+                        </m:rPr>
+                        <a:rPr lang="en-CA" sz="2800" b="0" i="0" smtClean="0">
+                          <a:latin typeface="Cambria Math" panose="02040503050406030204" pitchFamily="18" charset="0"/>
+                        </a:rPr>
+                        <m:t>Ψ</m:t>
+                      </m:r>
+                      <m:r>
+                        <a:rPr lang="en-CA" sz="2800" b="0" i="1" smtClean="0">
+                          <a:latin typeface="Cambria Math" panose="02040503050406030204" pitchFamily="18" charset="0"/>
+                        </a:rPr>
+                        <m:t>(</m:t>
+                      </m:r>
+                      <m:r>
+                        <a:rPr lang="en-CA" sz="2800" b="0" i="1" smtClean="0">
+                          <a:latin typeface="Cambria Math" panose="02040503050406030204" pitchFamily="18" charset="0"/>
+                        </a:rPr>
+                        <m:t>𝑥</m:t>
+                      </m:r>
+                      <m:r>
+                        <a:rPr lang="en-CA" sz="2800" b="0" i="1" smtClean="0">
+                          <a:latin typeface="Cambria Math" panose="02040503050406030204" pitchFamily="18" charset="0"/>
+                        </a:rPr>
+                        <m:t>)=</m:t>
+                      </m:r>
+                      <m:r>
+                        <a:rPr lang="en-CA" sz="2800" b="0" i="1" smtClean="0">
+                          <a:latin typeface="Cambria Math" panose="02040503050406030204" pitchFamily="18" charset="0"/>
+                        </a:rPr>
+                        <m:t>𝐸</m:t>
+                      </m:r>
+                      <m:r>
+                        <m:rPr>
+                          <m:sty m:val="p"/>
+                        </m:rPr>
+                        <a:rPr lang="en-CA" sz="2800" b="0" i="0" smtClean="0">
+                          <a:latin typeface="Cambria Math" panose="02040503050406030204" pitchFamily="18" charset="0"/>
+                        </a:rPr>
+                        <m:t>Ψ</m:t>
+                      </m:r>
+                      <m:r>
+                        <a:rPr lang="en-CA" sz="2800" b="0" i="1" smtClean="0">
+                          <a:latin typeface="Cambria Math" panose="02040503050406030204" pitchFamily="18" charset="0"/>
+                        </a:rPr>
+                        <m:t>(</m:t>
+                      </m:r>
+                      <m:r>
+                        <a:rPr lang="en-CA" sz="2800" b="0" i="1" smtClean="0">
+                          <a:latin typeface="Cambria Math" panose="02040503050406030204" pitchFamily="18" charset="0"/>
+                        </a:rPr>
+                        <m:t>𝑥</m:t>
+                      </m:r>
+                      <m:r>
+                        <a:rPr lang="en-CA" sz="2800" b="0" i="1" smtClean="0">
+                          <a:latin typeface="Cambria Math" panose="02040503050406030204" pitchFamily="18" charset="0"/>
+                        </a:rPr>
+                        <m:t>)</m:t>
+                      </m:r>
+                    </m:oMath>
+                  </m:oMathPara>
+                </a14:m>
+                <a:endParaRPr lang="en-CA" sz="2800" dirty="0"/>
+              </a:p>
+            </p:txBody>
+          </p:sp>
+        </mc:Choice>
+        <mc:Fallback xmlns="">
+          <p:sp>
+            <p:nvSpPr>
+              <p:cNvPr id="9" name="Rectangle 8">
+                <a:extLst>
+                  <a:ext uri="{FF2B5EF4-FFF2-40B4-BE49-F238E27FC236}">
+                    <a16:creationId xmlns:a16="http://schemas.microsoft.com/office/drawing/2014/main" id="{6A5CBC5C-E4A0-4C67-95D0-75A0ADB995AE}"/>
+                  </a:ext>
+                </a:extLst>
+              </p:cNvPr>
+              <p:cNvSpPr>
+                <a:spLocks noRot="1" noChangeAspect="1" noMove="1" noResize="1" noEditPoints="1" noAdjustHandles="1" noChangeArrowheads="1" noChangeShapeType="1" noTextEdit="1"/>
+              </p:cNvSpPr>
+              <p:nvPr/>
+            </p:nvSpPr>
+            <p:spPr>
+              <a:xfrm>
+                <a:off x="1740295" y="2224102"/>
+                <a:ext cx="2518766" cy="523220"/>
+              </a:xfrm>
+              <a:prstGeom prst="rect">
+                <a:avLst/>
+              </a:prstGeom>
+              <a:blipFill>
+                <a:blip r:embed="rId5"/>
+                <a:stretch>
+                  <a:fillRect/>
+                </a:stretch>
+              </a:blipFill>
+            </p:spPr>
+            <p:txBody>
+              <a:bodyPr/>
+              <a:lstStyle/>
+              <a:p>
+                <a:r>
+                  <a:rPr lang="en-CA">
+                    <a:noFill/>
+                  </a:rPr>
+                  <a:t> </a:t>
+                </a:r>
+              </a:p>
+            </p:txBody>
+          </p:sp>
+        </mc:Fallback>
+      </mc:AlternateContent>
+      <mc:AlternateContent xmlns:mc="http://schemas.openxmlformats.org/markup-compatibility/2006" xmlns:a14="http://schemas.microsoft.com/office/drawing/2010/main">
+        <mc:Choice Requires="a14">
+          <p:sp>
+            <p:nvSpPr>
+              <p:cNvPr id="4" name="Rectangle 3">
+                <a:extLst>
+                  <a:ext uri="{FF2B5EF4-FFF2-40B4-BE49-F238E27FC236}">
+                    <a16:creationId xmlns:a16="http://schemas.microsoft.com/office/drawing/2014/main" id="{E58A06A9-AD25-449B-9F9C-95AF3238005C}"/>
+                  </a:ext>
+                </a:extLst>
+              </p:cNvPr>
+              <p:cNvSpPr/>
+              <p:nvPr/>
+            </p:nvSpPr>
+            <p:spPr>
+              <a:xfrm>
+                <a:off x="271292" y="2224102"/>
                 <a:ext cx="1757469" cy="956929"/>
               </a:xfrm>
               <a:prstGeom prst="rect">
@@ -7118,6 +8801,7 @@
               </a:bodyPr>
               <a:lstStyle/>
               <a:p>
+                <a:pPr/>
                 <a14:m>
                   <m:oMathPara xmlns:m="http://schemas.openxmlformats.org/officeDocument/2006/math">
                     <m:oMathParaPr>
@@ -7257,7 +8941,7 @@
             </p:txBody>
           </p:sp>
         </mc:Choice>
-        <mc:Fallback>
+        <mc:Fallback xmlns="">
           <p:sp>
             <p:nvSpPr>
               <p:cNvPr id="4" name="Rectangle 3">
@@ -7274,8 +8958,182 @@
             </p:nvSpPr>
             <p:spPr>
               <a:xfrm>
-                <a:off x="247846" y="3505046"/>
+                <a:off x="271292" y="2224102"/>
                 <a:ext cx="1757469" cy="956929"/>
+              </a:xfrm>
+              <a:prstGeom prst="rect">
+                <a:avLst/>
+              </a:prstGeom>
+              <a:blipFill>
+                <a:blip r:embed="rId6"/>
+                <a:stretch>
+                  <a:fillRect/>
+                </a:stretch>
+              </a:blipFill>
+            </p:spPr>
+            <p:txBody>
+              <a:bodyPr/>
+              <a:lstStyle/>
+              <a:p>
+                <a:r>
+                  <a:rPr lang="en-CA">
+                    <a:noFill/>
+                  </a:rPr>
+                  <a:t> </a:t>
+                </a:r>
+              </a:p>
+            </p:txBody>
+          </p:sp>
+        </mc:Fallback>
+      </mc:AlternateContent>
+      <mc:AlternateContent xmlns:mc="http://schemas.openxmlformats.org/markup-compatibility/2006" xmlns:a14="http://schemas.microsoft.com/office/drawing/2010/main">
+        <mc:Choice Requires="a14">
+          <p:sp>
+            <p:nvSpPr>
+              <p:cNvPr id="11" name="Rectangle 10">
+                <a:extLst>
+                  <a:ext uri="{FF2B5EF4-FFF2-40B4-BE49-F238E27FC236}">
+                    <a16:creationId xmlns:a16="http://schemas.microsoft.com/office/drawing/2014/main" id="{D8B37C00-2D41-4791-B6C4-41FC2EA1160A}"/>
+                  </a:ext>
+                </a:extLst>
+              </p:cNvPr>
+              <p:cNvSpPr/>
+              <p:nvPr/>
+            </p:nvSpPr>
+            <p:spPr>
+              <a:xfrm>
+                <a:off x="480912" y="3587459"/>
+                <a:ext cx="4970720" cy="523220"/>
+              </a:xfrm>
+              <a:prstGeom prst="rect">
+                <a:avLst/>
+              </a:prstGeom>
+            </p:spPr>
+            <p:txBody>
+              <a:bodyPr wrap="none">
+                <a:spAutoFit/>
+              </a:bodyPr>
+              <a:lstStyle/>
+              <a:p>
+                <a:pPr/>
+                <a14:m>
+                  <m:oMathPara xmlns:m="http://schemas.openxmlformats.org/officeDocument/2006/math">
+                    <m:oMathParaPr>
+                      <m:jc m:val="left"/>
+                    </m:oMathParaPr>
+                    <m:oMath xmlns:m="http://schemas.openxmlformats.org/officeDocument/2006/math">
+                      <m:r>
+                        <m:rPr>
+                          <m:sty m:val="p"/>
+                        </m:rPr>
+                        <a:rPr lang="en-CA" sz="2800" b="0" i="0" smtClean="0">
+                          <a:latin typeface="Cambria Math" panose="02040503050406030204" pitchFamily="18" charset="0"/>
+                        </a:rPr>
+                        <m:t>Ψ</m:t>
+                      </m:r>
+                      <m:d>
+                        <m:dPr>
+                          <m:ctrlPr>
+                            <a:rPr lang="en-CA" sz="2800" b="0" i="1" smtClean="0">
+                              <a:latin typeface="Cambria Math" panose="02040503050406030204" pitchFamily="18" charset="0"/>
+                            </a:rPr>
+                          </m:ctrlPr>
+                        </m:dPr>
+                        <m:e>
+                          <m:r>
+                            <a:rPr lang="en-CA" sz="2800" b="0" i="1" smtClean="0">
+                              <a:latin typeface="Cambria Math" panose="02040503050406030204" pitchFamily="18" charset="0"/>
+                            </a:rPr>
+                            <m:t>𝑥</m:t>
+                          </m:r>
+                        </m:e>
+                      </m:d>
+                      <m:r>
+                        <a:rPr lang="en-CA" sz="2800" i="1">
+                          <a:latin typeface="Cambria Math" panose="02040503050406030204" pitchFamily="18" charset="0"/>
+                        </a:rPr>
+                        <m:t>=</m:t>
+                      </m:r>
+                      <m:r>
+                        <a:rPr lang="en-CA" sz="2800" b="0" i="1" smtClean="0">
+                          <a:latin typeface="Cambria Math" panose="02040503050406030204" pitchFamily="18" charset="0"/>
+                        </a:rPr>
+                        <m:t>𝐴𝑠𝑖𝑛</m:t>
+                      </m:r>
+                      <m:d>
+                        <m:dPr>
+                          <m:ctrlPr>
+                            <a:rPr lang="en-CA" sz="2800" b="0" i="1" smtClean="0">
+                              <a:latin typeface="Cambria Math" panose="02040503050406030204" pitchFamily="18" charset="0"/>
+                            </a:rPr>
+                          </m:ctrlPr>
+                        </m:dPr>
+                        <m:e>
+                          <m:r>
+                            <a:rPr lang="en-CA" sz="2800" b="0" i="1" smtClean="0">
+                              <a:latin typeface="Cambria Math" panose="02040503050406030204" pitchFamily="18" charset="0"/>
+                            </a:rPr>
+                            <m:t>𝑘𝑥</m:t>
+                          </m:r>
+                        </m:e>
+                      </m:d>
+                      <m:r>
+                        <a:rPr lang="en-CA" sz="2800" b="0" i="1" smtClean="0">
+                          <a:latin typeface="Cambria Math" panose="02040503050406030204" pitchFamily="18" charset="0"/>
+                        </a:rPr>
+                        <m:t>+</m:t>
+                      </m:r>
+                      <m:r>
+                        <a:rPr lang="en-CA" sz="2800" b="0" i="1" smtClean="0">
+                          <a:latin typeface="Cambria Math" panose="02040503050406030204" pitchFamily="18" charset="0"/>
+                        </a:rPr>
+                        <m:t>𝐵𝑐𝑜𝑠</m:t>
+                      </m:r>
+                      <m:r>
+                        <a:rPr lang="en-CA" sz="2800" b="0" i="1" smtClean="0">
+                          <a:latin typeface="Cambria Math" panose="02040503050406030204" pitchFamily="18" charset="0"/>
+                        </a:rPr>
+                        <m:t>(</m:t>
+                      </m:r>
+                      <m:r>
+                        <a:rPr lang="en-CA" sz="2800" b="0" i="1" smtClean="0">
+                          <a:latin typeface="Cambria Math" panose="02040503050406030204" pitchFamily="18" charset="0"/>
+                        </a:rPr>
+                        <m:t>𝑘𝑥</m:t>
+                      </m:r>
+                      <m:r>
+                        <a:rPr lang="en-CA" sz="2800" b="0" i="1" smtClean="0">
+                          <a:latin typeface="Cambria Math" panose="02040503050406030204" pitchFamily="18" charset="0"/>
+                        </a:rPr>
+                        <m:t>)</m:t>
+                      </m:r>
+                    </m:oMath>
+                  </m:oMathPara>
+                </a14:m>
+                <a:endParaRPr lang="en-CA" sz="2800" dirty="0"/>
+              </a:p>
+            </p:txBody>
+          </p:sp>
+        </mc:Choice>
+        <mc:Fallback xmlns="">
+          <p:sp>
+            <p:nvSpPr>
+              <p:cNvPr id="11" name="Rectangle 10">
+                <a:extLst>
+                  <a:ext uri="{FF2B5EF4-FFF2-40B4-BE49-F238E27FC236}">
+                    <a16:creationId xmlns:a16="http://schemas.microsoft.com/office/drawing/2014/main" id="{D8B37C00-2D41-4791-B6C4-41FC2EA1160A}"/>
+                  </a:ext>
+                </a:extLst>
+              </p:cNvPr>
+              <p:cNvSpPr>
+                <a:spLocks noRot="1" noChangeAspect="1" noMove="1" noResize="1" noEditPoints="1" noAdjustHandles="1" noChangeArrowheads="1" noChangeShapeType="1" noTextEdit="1"/>
+              </p:cNvSpPr>
+              <p:nvPr/>
+            </p:nvSpPr>
+            <p:spPr>
+              <a:xfrm>
+                <a:off x="480912" y="3587459"/>
+                <a:ext cx="4970720" cy="523220"/>
               </a:xfrm>
               <a:prstGeom prst="rect">
                 <a:avLst/>
@@ -7305,20 +9163,20 @@
     </p:spTree>
     <p:extLst>
       <p:ext uri="{BB962C8B-B14F-4D97-AF65-F5344CB8AC3E}">
-        <p14:creationId xmlns:p14="http://schemas.microsoft.com/office/powerpoint/2010/main" val="3484184806"/>
+        <p14:creationId xmlns:p14="http://schemas.microsoft.com/office/powerpoint/2010/main" val="1794115120"/>
       </p:ext>
     </p:extLst>
   </p:cSld>
   <p:clrMapOvr>
     <a:masterClrMapping/>
   </p:clrMapOvr>
-  <mc:AlternateContent xmlns:mc="http://schemas.openxmlformats.org/markup-compatibility/2006">
-    <mc:Choice xmlns:p159="http://schemas.microsoft.com/office/powerpoint/2015/09/main" Requires="p159">
+  <mc:AlternateContent xmlns:mc="http://schemas.openxmlformats.org/markup-compatibility/2006" xmlns:p159="http://schemas.microsoft.com/office/powerpoint/2015/09/main">
+    <mc:Choice Requires="p159">
       <p:transition xmlns:p14="http://schemas.microsoft.com/office/powerpoint/2010/main" spd="slow" p14:dur="2000">
         <p159:morph option="byObject"/>
       </p:transition>
     </mc:Choice>
-    <mc:Fallback>
+    <mc:Fallback xmlns="">
       <p:transition spd="slow">
         <p:fade/>
       </p:transition>
@@ -7327,7 +9185,7 @@
 </p:sld>
 </file>
 
-<file path=ppt/slides/slide7.xml><?xml version="1.0" encoding="utf-8"?>
+<file path=ppt/slides/slide9.xml><?xml version="1.0" encoding="utf-8"?>
 <p:sld xmlns:a="http://schemas.openxmlformats.org/drawingml/2006/main" xmlns:r="http://schemas.openxmlformats.org/officeDocument/2006/relationships" xmlns:p="http://schemas.openxmlformats.org/presentationml/2006/main">
   <p:cSld>
     <p:spTree>
@@ -7459,8 +9317,8 @@
           </a:p>
         </p:txBody>
       </p:sp>
-      <mc:AlternateContent xmlns:mc="http://schemas.openxmlformats.org/markup-compatibility/2006">
-        <mc:Choice xmlns:a14="http://schemas.microsoft.com/office/drawing/2010/main" Requires="a14">
+      <mc:AlternateContent xmlns:mc="http://schemas.openxmlformats.org/markup-compatibility/2006" xmlns:a14="http://schemas.microsoft.com/office/drawing/2010/main">
+        <mc:Choice Requires="a14">
           <p:sp>
             <p:nvSpPr>
               <p:cNvPr id="5" name="Rectangle 4">
@@ -7652,7 +9510,7 @@
             </p:txBody>
           </p:sp>
         </mc:Choice>
-        <mc:Fallback>
+        <mc:Fallback xmlns="">
           <p:sp>
             <p:nvSpPr>
               <p:cNvPr id="5" name="Rectangle 4">
@@ -7697,8 +9555,8 @@
           </p:sp>
         </mc:Fallback>
       </mc:AlternateContent>
-      <mc:AlternateContent xmlns:mc="http://schemas.openxmlformats.org/markup-compatibility/2006">
-        <mc:Choice xmlns:a14="http://schemas.microsoft.com/office/drawing/2010/main" Requires="a14">
+      <mc:AlternateContent xmlns:mc="http://schemas.openxmlformats.org/markup-compatibility/2006" xmlns:a14="http://schemas.microsoft.com/office/drawing/2010/main">
+        <mc:Choice Requires="a14">
           <p:sp>
             <p:nvSpPr>
               <p:cNvPr id="8" name="Rectangle 7">
@@ -7890,7 +9748,7 @@
             </p:txBody>
           </p:sp>
         </mc:Choice>
-        <mc:Fallback>
+        <mc:Fallback xmlns="">
           <p:sp>
             <p:nvSpPr>
               <p:cNvPr id="8" name="Rectangle 7">
@@ -7996,7 +9854,31 @@
 </p:tagLst>
 </file>
 
+<file path=ppt/tags/tag17.xml><?xml version="1.0" encoding="utf-8"?>
+<p:tagLst xmlns:a="http://schemas.openxmlformats.org/drawingml/2006/main" xmlns:r="http://schemas.openxmlformats.org/officeDocument/2006/relationships" xmlns:p="http://schemas.openxmlformats.org/presentationml/2006/main">
+  <p:tag name="NUM" val="1"/>
+</p:tagLst>
+</file>
+
+<file path=ppt/tags/tag18.xml><?xml version="1.0" encoding="utf-8"?>
+<p:tagLst xmlns:a="http://schemas.openxmlformats.org/drawingml/2006/main" xmlns:r="http://schemas.openxmlformats.org/officeDocument/2006/relationships" xmlns:p="http://schemas.openxmlformats.org/presentationml/2006/main">
+  <p:tag name="NUM" val="2"/>
+</p:tagLst>
+</file>
+
+<file path=ppt/tags/tag19.xml><?xml version="1.0" encoding="utf-8"?>
+<p:tagLst xmlns:a="http://schemas.openxmlformats.org/drawingml/2006/main" xmlns:r="http://schemas.openxmlformats.org/officeDocument/2006/relationships" xmlns:p="http://schemas.openxmlformats.org/presentationml/2006/main">
+  <p:tag name="NUM" val="1"/>
+</p:tagLst>
+</file>
+
 <file path=ppt/tags/tag2.xml><?xml version="1.0" encoding="utf-8"?>
+<p:tagLst xmlns:a="http://schemas.openxmlformats.org/drawingml/2006/main" xmlns:r="http://schemas.openxmlformats.org/officeDocument/2006/relationships" xmlns:p="http://schemas.openxmlformats.org/presentationml/2006/main">
+  <p:tag name="NUM" val="2"/>
+</p:tagLst>
+</file>
+
+<file path=ppt/tags/tag20.xml><?xml version="1.0" encoding="utf-8"?>
 <p:tagLst xmlns:a="http://schemas.openxmlformats.org/drawingml/2006/main" xmlns:r="http://schemas.openxmlformats.org/officeDocument/2006/relationships" xmlns:p="http://schemas.openxmlformats.org/presentationml/2006/main">
   <p:tag name="NUM" val="2"/>
 </p:tagLst>
